--- a/docker/Docker技术介绍.pptx
+++ b/docker/Docker技术介绍.pptx
@@ -272,7 +272,7 @@
           <a:p>
             <a:fld id="{8B2E76F8-9077-4161-B79F-81261C81B85B}" type="datetimeFigureOut">
               <a:rPr lang="zh-CN" altLang="en-US" smtClean="0"/>
-              <a:t>2017/10/26</a:t>
+              <a:t>2017/10/27</a:t>
             </a:fld>
             <a:endParaRPr lang="zh-CN" altLang="en-US"/>
           </a:p>
@@ -839,7 +839,7 @@
           <a:p>
             <a:fld id="{7207A88D-DD53-4209-AD7A-9B19DA6FDFFF}" type="datetimeFigureOut">
               <a:rPr lang="zh-CN" altLang="en-US" smtClean="0"/>
-              <a:t>2017/10/26</a:t>
+              <a:t>2017/10/27</a:t>
             </a:fld>
             <a:endParaRPr lang="zh-CN" altLang="en-US"/>
           </a:p>
@@ -1009,7 +1009,7 @@
           <a:p>
             <a:fld id="{7207A88D-DD53-4209-AD7A-9B19DA6FDFFF}" type="datetimeFigureOut">
               <a:rPr lang="zh-CN" altLang="en-US" smtClean="0"/>
-              <a:t>2017/10/26</a:t>
+              <a:t>2017/10/27</a:t>
             </a:fld>
             <a:endParaRPr lang="zh-CN" altLang="en-US"/>
           </a:p>
@@ -1189,7 +1189,7 @@
           <a:p>
             <a:fld id="{7207A88D-DD53-4209-AD7A-9B19DA6FDFFF}" type="datetimeFigureOut">
               <a:rPr lang="zh-CN" altLang="en-US" smtClean="0"/>
-              <a:t>2017/10/26</a:t>
+              <a:t>2017/10/27</a:t>
             </a:fld>
             <a:endParaRPr lang="zh-CN" altLang="en-US"/>
           </a:p>
@@ -1359,7 +1359,7 @@
           <a:p>
             <a:fld id="{7207A88D-DD53-4209-AD7A-9B19DA6FDFFF}" type="datetimeFigureOut">
               <a:rPr lang="zh-CN" altLang="en-US" smtClean="0"/>
-              <a:t>2017/10/26</a:t>
+              <a:t>2017/10/27</a:t>
             </a:fld>
             <a:endParaRPr lang="zh-CN" altLang="en-US"/>
           </a:p>
@@ -1605,7 +1605,7 @@
           <a:p>
             <a:fld id="{7207A88D-DD53-4209-AD7A-9B19DA6FDFFF}" type="datetimeFigureOut">
               <a:rPr lang="zh-CN" altLang="en-US" smtClean="0"/>
-              <a:t>2017/10/26</a:t>
+              <a:t>2017/10/27</a:t>
             </a:fld>
             <a:endParaRPr lang="zh-CN" altLang="en-US"/>
           </a:p>
@@ -1837,7 +1837,7 @@
           <a:p>
             <a:fld id="{7207A88D-DD53-4209-AD7A-9B19DA6FDFFF}" type="datetimeFigureOut">
               <a:rPr lang="zh-CN" altLang="en-US" smtClean="0"/>
-              <a:t>2017/10/26</a:t>
+              <a:t>2017/10/27</a:t>
             </a:fld>
             <a:endParaRPr lang="zh-CN" altLang="en-US"/>
           </a:p>
@@ -2204,7 +2204,7 @@
           <a:p>
             <a:fld id="{7207A88D-DD53-4209-AD7A-9B19DA6FDFFF}" type="datetimeFigureOut">
               <a:rPr lang="zh-CN" altLang="en-US" smtClean="0"/>
-              <a:t>2017/10/26</a:t>
+              <a:t>2017/10/27</a:t>
             </a:fld>
             <a:endParaRPr lang="zh-CN" altLang="en-US"/>
           </a:p>
@@ -2322,7 +2322,7 @@
           <a:p>
             <a:fld id="{7207A88D-DD53-4209-AD7A-9B19DA6FDFFF}" type="datetimeFigureOut">
               <a:rPr lang="zh-CN" altLang="en-US" smtClean="0"/>
-              <a:t>2017/10/26</a:t>
+              <a:t>2017/10/27</a:t>
             </a:fld>
             <a:endParaRPr lang="zh-CN" altLang="en-US"/>
           </a:p>
@@ -2417,7 +2417,7 @@
           <a:p>
             <a:fld id="{7207A88D-DD53-4209-AD7A-9B19DA6FDFFF}" type="datetimeFigureOut">
               <a:rPr lang="zh-CN" altLang="en-US" smtClean="0"/>
-              <a:t>2017/10/26</a:t>
+              <a:t>2017/10/27</a:t>
             </a:fld>
             <a:endParaRPr lang="zh-CN" altLang="en-US"/>
           </a:p>
@@ -2694,7 +2694,7 @@
           <a:p>
             <a:fld id="{7207A88D-DD53-4209-AD7A-9B19DA6FDFFF}" type="datetimeFigureOut">
               <a:rPr lang="zh-CN" altLang="en-US" smtClean="0"/>
-              <a:t>2017/10/26</a:t>
+              <a:t>2017/10/27</a:t>
             </a:fld>
             <a:endParaRPr lang="zh-CN" altLang="en-US"/>
           </a:p>
@@ -2947,7 +2947,7 @@
           <a:p>
             <a:fld id="{7207A88D-DD53-4209-AD7A-9B19DA6FDFFF}" type="datetimeFigureOut">
               <a:rPr lang="zh-CN" altLang="en-US" smtClean="0"/>
-              <a:t>2017/10/26</a:t>
+              <a:t>2017/10/27</a:t>
             </a:fld>
             <a:endParaRPr lang="zh-CN" altLang="en-US"/>
           </a:p>
@@ -3160,7 +3160,7 @@
           <a:p>
             <a:fld id="{7207A88D-DD53-4209-AD7A-9B19DA6FDFFF}" type="datetimeFigureOut">
               <a:rPr lang="zh-CN" altLang="en-US" smtClean="0"/>
-              <a:t>2017/10/26</a:t>
+              <a:t>2017/10/27</a:t>
             </a:fld>
             <a:endParaRPr lang="zh-CN" altLang="en-US"/>
           </a:p>
@@ -3946,18 +3946,18 @@
           <a:p>
             <a:r>
               <a:rPr lang="zh-CN" altLang="en-US" dirty="0" smtClean="0"/>
-              <a:t>弹性伸缩，比传统的操作伸缩简化非常的多。</a:t>
-            </a:r>
-            <a:endParaRPr lang="en-US" altLang="zh-CN" dirty="0"/>
-          </a:p>
-          <a:p>
-            <a:r>
-              <a:rPr lang="zh-CN" altLang="en-US" dirty="0"/>
-              <a:t>相对</a:t>
-            </a:r>
-            <a:r>
-              <a:rPr lang="zh-CN" altLang="en-US" dirty="0" smtClean="0"/>
-              <a:t>于 </a:t>
+              <a:t>弹性伸缩，比传统的操作伸缩简化非常的多</a:t>
+            </a:r>
+            <a:r>
+              <a:rPr lang="zh-CN" altLang="en-US" dirty="0" smtClean="0"/>
+              <a:t>。</a:t>
+            </a:r>
+            <a:endParaRPr lang="en-US" altLang="zh-CN" dirty="0" smtClean="0"/>
+          </a:p>
+          <a:p>
+            <a:r>
+              <a:rPr lang="zh-CN" altLang="en-US" dirty="0" smtClean="0"/>
+              <a:t>相对于 </a:t>
             </a:r>
             <a:r>
               <a:rPr lang="en-US" altLang="zh-CN" dirty="0" smtClean="0"/>
@@ -3965,15 +3965,7 @@
             </a:r>
             <a:r>
               <a:rPr lang="zh-CN" altLang="en-US" dirty="0" smtClean="0"/>
-              <a:t>，快、轻、</a:t>
-            </a:r>
-            <a:r>
-              <a:rPr lang="zh-CN" altLang="en-US" dirty="0"/>
-              <a:t>小、</a:t>
-            </a:r>
-            <a:r>
-              <a:rPr lang="zh-CN" altLang="en-US" dirty="0" smtClean="0"/>
-              <a:t>稳。</a:t>
+              <a:t>，快、轻、小、稳。</a:t>
             </a:r>
             <a:endParaRPr lang="en-US" altLang="zh-CN" dirty="0" smtClean="0"/>
           </a:p>
@@ -3988,15 +3980,7 @@
             </a:r>
             <a:r>
               <a:rPr lang="zh-CN" altLang="en-US" dirty="0" smtClean="0"/>
-              <a:t>类似的微服务</a:t>
-            </a:r>
-            <a:r>
-              <a:rPr lang="zh-CN" altLang="en-US" dirty="0"/>
-              <a:t>框架</a:t>
-            </a:r>
-            <a:r>
-              <a:rPr lang="zh-CN" altLang="en-US" dirty="0" smtClean="0"/>
-              <a:t>更好。</a:t>
+              <a:t>类似的微服务框架更好。</a:t>
             </a:r>
             <a:endParaRPr lang="en-US" altLang="zh-CN" dirty="0" smtClean="0"/>
           </a:p>
@@ -5911,7 +5895,23 @@
           <a:p>
             <a:r>
               <a:rPr lang="zh-CN" altLang="en-US" dirty="0" smtClean="0"/>
-              <a:t>可以自定义和构建镜像，</a:t>
+              <a:t>可以自定义和构建</a:t>
+            </a:r>
+            <a:r>
+              <a:rPr lang="zh-CN" altLang="en-US" dirty="0" smtClean="0"/>
+              <a:t>镜像，</a:t>
+            </a:r>
+            <a:r>
+              <a:rPr lang="en-US" altLang="zh-CN" dirty="0"/>
+              <a:t> </a:t>
+            </a:r>
+            <a:r>
+              <a:rPr lang="en-US" altLang="zh-CN" dirty="0" err="1" smtClean="0"/>
+              <a:t>Dockerfile</a:t>
+            </a:r>
+            <a:r>
+              <a:rPr lang="zh-CN" altLang="en-US" dirty="0" smtClean="0"/>
+              <a:t>，</a:t>
             </a:r>
             <a:r>
               <a:rPr lang="en-US" altLang="zh-CN" dirty="0" err="1" smtClean="0"/>
@@ -7025,7 +7025,19 @@
           <a:p>
             <a:r>
               <a:rPr lang="zh-CN" altLang="en-US" dirty="0" smtClean="0"/>
-              <a:t>从开发部门提出转测试或者处罚 </a:t>
+              <a:t>从开发部门提出转测试</a:t>
+            </a:r>
+            <a:r>
+              <a:rPr lang="zh-CN" altLang="en-US" dirty="0" smtClean="0"/>
+              <a:t>或者</a:t>
+            </a:r>
+            <a:r>
+              <a:rPr lang="zh-CN" altLang="en-US" dirty="0"/>
+              <a:t>触发</a:t>
+            </a:r>
+            <a:r>
+              <a:rPr lang="zh-CN" altLang="en-US" dirty="0" smtClean="0"/>
+              <a:t> </a:t>
             </a:r>
             <a:r>
               <a:rPr lang="en-US" altLang="zh-CN" dirty="0" smtClean="0"/>

--- a/docker/Docker技术介绍.pptx
+++ b/docker/Docker技术介绍.pptx
@@ -5,7 +5,7 @@
     <p:sldMasterId id="2147483648" r:id="rId1"/>
   </p:sldMasterIdLst>
   <p:notesMasterIdLst>
-    <p:notesMasterId r:id="rId34"/>
+    <p:notesMasterId r:id="rId33"/>
   </p:notesMasterIdLst>
   <p:sldIdLst>
     <p:sldId id="256" r:id="rId2"/>
@@ -20,26 +20,25 @@
     <p:sldId id="266" r:id="rId11"/>
     <p:sldId id="268" r:id="rId12"/>
     <p:sldId id="267" r:id="rId13"/>
-    <p:sldId id="271" r:id="rId14"/>
-    <p:sldId id="272" r:id="rId15"/>
-    <p:sldId id="273" r:id="rId16"/>
-    <p:sldId id="274" r:id="rId17"/>
-    <p:sldId id="275" r:id="rId18"/>
-    <p:sldId id="278" r:id="rId19"/>
-    <p:sldId id="279" r:id="rId20"/>
-    <p:sldId id="277" r:id="rId21"/>
-    <p:sldId id="280" r:id="rId22"/>
-    <p:sldId id="281" r:id="rId23"/>
-    <p:sldId id="282" r:id="rId24"/>
-    <p:sldId id="283" r:id="rId25"/>
-    <p:sldId id="284" r:id="rId26"/>
-    <p:sldId id="285" r:id="rId27"/>
-    <p:sldId id="286" r:id="rId28"/>
-    <p:sldId id="287" r:id="rId29"/>
-    <p:sldId id="288" r:id="rId30"/>
-    <p:sldId id="289" r:id="rId31"/>
-    <p:sldId id="290" r:id="rId32"/>
-    <p:sldId id="276" r:id="rId33"/>
+    <p:sldId id="272" r:id="rId14"/>
+    <p:sldId id="273" r:id="rId15"/>
+    <p:sldId id="274" r:id="rId16"/>
+    <p:sldId id="275" r:id="rId17"/>
+    <p:sldId id="278" r:id="rId18"/>
+    <p:sldId id="279" r:id="rId19"/>
+    <p:sldId id="277" r:id="rId20"/>
+    <p:sldId id="280" r:id="rId21"/>
+    <p:sldId id="281" r:id="rId22"/>
+    <p:sldId id="282" r:id="rId23"/>
+    <p:sldId id="283" r:id="rId24"/>
+    <p:sldId id="284" r:id="rId25"/>
+    <p:sldId id="285" r:id="rId26"/>
+    <p:sldId id="286" r:id="rId27"/>
+    <p:sldId id="287" r:id="rId28"/>
+    <p:sldId id="288" r:id="rId29"/>
+    <p:sldId id="289" r:id="rId30"/>
+    <p:sldId id="290" r:id="rId31"/>
+    <p:sldId id="276" r:id="rId32"/>
   </p:sldIdLst>
   <p:sldSz cx="12192000" cy="6858000"/>
   <p:notesSz cx="6858000" cy="9144000"/>
@@ -159,7 +158,6 @@
             <p14:sldId id="266"/>
             <p14:sldId id="268"/>
             <p14:sldId id="267"/>
-            <p14:sldId id="271"/>
             <p14:sldId id="272"/>
             <p14:sldId id="273"/>
             <p14:sldId id="274"/>
@@ -605,7 +603,7 @@
           <a:p>
             <a:fld id="{7415D3D2-A134-4486-A88A-D98AA4DBC6F3}" type="slidenum">
               <a:rPr lang="zh-CN" altLang="en-US" smtClean="0"/>
-              <a:t>18</a:t>
+              <a:t>17</a:t>
             </a:fld>
             <a:endParaRPr lang="zh-CN" altLang="en-US"/>
           </a:p>
@@ -689,7 +687,7 @@
           <a:p>
             <a:fld id="{7415D3D2-A134-4486-A88A-D98AA4DBC6F3}" type="slidenum">
               <a:rPr lang="zh-CN" altLang="en-US" smtClean="0"/>
-              <a:t>19</a:t>
+              <a:t>18</a:t>
             </a:fld>
             <a:endParaRPr lang="zh-CN" altLang="en-US"/>
           </a:p>
@@ -3776,7 +3774,7 @@
             </a:r>
             <a:r>
               <a:rPr lang="zh-CN" altLang="en-US" dirty="0" smtClean="0"/>
-              <a:t>的好与坏</a:t>
+              <a:t>的好处</a:t>
             </a:r>
             <a:endParaRPr lang="en-US" altLang="zh-CN" dirty="0" smtClean="0"/>
           </a:p>
@@ -3897,8 +3895,8 @@
               <a:t>Docker </a:t>
             </a:r>
             <a:r>
-              <a:rPr lang="zh-CN" altLang="en-US" dirty="0" smtClean="0"/>
-              <a:t>的好</a:t>
+              <a:rPr lang="zh-CN" altLang="en-US" smtClean="0"/>
+              <a:t>的好处</a:t>
             </a:r>
             <a:endParaRPr lang="zh-CN" altLang="en-US" dirty="0"/>
           </a:p>
@@ -3946,11 +3944,7 @@
           <a:p>
             <a:r>
               <a:rPr lang="zh-CN" altLang="en-US" dirty="0" smtClean="0"/>
-              <a:t>弹性伸缩，比传统的操作伸缩简化非常的多</a:t>
-            </a:r>
-            <a:r>
-              <a:rPr lang="zh-CN" altLang="en-US" dirty="0" smtClean="0"/>
-              <a:t>。</a:t>
+              <a:t>弹性伸缩，比传统的操作伸缩简化非常的多。</a:t>
             </a:r>
             <a:endParaRPr lang="en-US" altLang="zh-CN" dirty="0" smtClean="0"/>
           </a:p>
@@ -4254,103 +4248,161 @@
       </p:grpSpPr>
       <p:sp>
         <p:nvSpPr>
-          <p:cNvPr id="2" name="标题 1"/>
-          <p:cNvSpPr>
-            <a:spLocks noGrp="1"/>
-          </p:cNvSpPr>
-          <p:nvPr>
-            <p:ph type="title"/>
-          </p:nvPr>
-        </p:nvSpPr>
-        <p:spPr/>
+          <p:cNvPr id="2" name="圆角矩形 1"/>
+          <p:cNvSpPr/>
+          <p:nvPr/>
+        </p:nvSpPr>
+        <p:spPr>
+          <a:xfrm>
+            <a:off x="4052236" y="2589190"/>
+            <a:ext cx="3965608" cy="577516"/>
+          </a:xfrm>
+          <a:prstGeom prst="roundRect">
+            <a:avLst/>
+          </a:prstGeom>
+          <a:solidFill>
+            <a:schemeClr val="bg2">
+              <a:lumMod val="90000"/>
+            </a:schemeClr>
+          </a:solidFill>
+        </p:spPr>
+        <p:style>
+          <a:lnRef idx="2">
+            <a:schemeClr val="accent1">
+              <a:shade val="50000"/>
+            </a:schemeClr>
+          </a:lnRef>
+          <a:fillRef idx="1">
+            <a:schemeClr val="accent1"/>
+          </a:fillRef>
+          <a:effectRef idx="0">
+            <a:schemeClr val="accent1"/>
+          </a:effectRef>
+          <a:fontRef idx="minor">
+            <a:schemeClr val="lt1"/>
+          </a:fontRef>
+        </p:style>
+        <p:txBody>
+          <a:bodyPr rtlCol="0" anchor="ctr"/>
+          <a:lstStyle/>
+          <a:p>
+            <a:pPr algn="ctr"/>
+            <a:endParaRPr lang="zh-CN" altLang="en-US"/>
+          </a:p>
+        </p:txBody>
+      </p:sp>
+      <p:sp>
+        <p:nvSpPr>
+          <p:cNvPr id="3" name="内容占位符 2"/>
+          <p:cNvSpPr>
+            <a:spLocks noGrp="1"/>
+          </p:cNvSpPr>
+          <p:nvPr>
+            <p:ph idx="1"/>
+          </p:nvPr>
+        </p:nvSpPr>
+        <p:spPr>
+          <a:xfrm>
+            <a:off x="4255169" y="1174282"/>
+            <a:ext cx="7150768" cy="5351647"/>
+          </a:xfrm>
+        </p:spPr>
         <p:txBody>
           <a:bodyPr/>
           <a:lstStyle/>
           <a:p>
             <a:r>
+              <a:rPr lang="zh-CN" altLang="en-US" dirty="0" smtClean="0"/>
+              <a:t>容器</a:t>
+            </a:r>
+            <a:r>
+              <a:rPr lang="zh-CN" altLang="en-US" dirty="0"/>
+              <a:t>化</a:t>
+            </a:r>
+            <a:r>
+              <a:rPr lang="zh-CN" altLang="en-US" dirty="0" smtClean="0"/>
+              <a:t>技术发展进程</a:t>
+            </a:r>
+            <a:endParaRPr lang="en-US" altLang="zh-CN" dirty="0" smtClean="0"/>
+          </a:p>
+          <a:p>
+            <a:r>
               <a:rPr lang="en-US" altLang="zh-CN" dirty="0" smtClean="0"/>
               <a:t>Docker </a:t>
             </a:r>
             <a:r>
               <a:rPr lang="zh-CN" altLang="en-US" dirty="0" smtClean="0"/>
-              <a:t>的坏</a:t>
-            </a:r>
-            <a:endParaRPr lang="zh-CN" altLang="en-US" dirty="0"/>
-          </a:p>
-        </p:txBody>
-      </p:sp>
-      <p:sp>
-        <p:nvSpPr>
-          <p:cNvPr id="3" name="内容占位符 2"/>
-          <p:cNvSpPr>
-            <a:spLocks noGrp="1"/>
-          </p:cNvSpPr>
-          <p:nvPr>
-            <p:ph idx="1"/>
-          </p:nvPr>
-        </p:nvSpPr>
-        <p:spPr/>
-        <p:txBody>
-          <a:bodyPr/>
-          <a:lstStyle/>
-          <a:p>
-            <a:r>
-              <a:rPr lang="zh-CN" altLang="en-US" dirty="0"/>
-              <a:t>要</a:t>
-            </a:r>
-            <a:r>
-              <a:rPr lang="zh-CN" altLang="en-US" dirty="0" smtClean="0"/>
-              <a:t>学会一些 </a:t>
-            </a:r>
+              <a:t>是什么</a:t>
+            </a:r>
+            <a:endParaRPr lang="en-US" altLang="zh-CN" dirty="0" smtClean="0"/>
+          </a:p>
+          <a:p>
             <a:r>
               <a:rPr lang="en-US" altLang="zh-CN" dirty="0" smtClean="0"/>
               <a:t>Docker </a:t>
             </a:r>
             <a:r>
               <a:rPr lang="zh-CN" altLang="en-US" dirty="0" smtClean="0"/>
-              <a:t>知识，增加了一些学习成本。</a:t>
-            </a:r>
-            <a:endParaRPr lang="en-US" altLang="zh-CN" dirty="0" smtClean="0"/>
-          </a:p>
-          <a:p>
-            <a:r>
-              <a:rPr lang="zh-CN" altLang="en-US" dirty="0" smtClean="0"/>
-              <a:t>传统应用迁移麻烦，特别是外包项目。</a:t>
-            </a:r>
-            <a:endParaRPr lang="en-US" altLang="zh-CN" dirty="0" smtClean="0"/>
-          </a:p>
-          <a:p>
-            <a:r>
-              <a:rPr lang="zh-CN" altLang="en-US" dirty="0"/>
-              <a:t>虽然</a:t>
-            </a:r>
-            <a:r>
-              <a:rPr lang="zh-CN" altLang="en-US" dirty="0" smtClean="0"/>
-              <a:t>弹性伸缩简单，但是总不能人肉运维，选择 </a:t>
-            </a:r>
-            <a:r>
-              <a:rPr lang="en-US" altLang="zh-CN" dirty="0" smtClean="0"/>
-              <a:t>Kubernetes </a:t>
-            </a:r>
-            <a:r>
-              <a:rPr lang="zh-CN" altLang="en-US" dirty="0" smtClean="0"/>
-              <a:t>类似的容器集群管理系统效果更好，因此又要学习，并没有完全解放运维。</a:t>
+              <a:t>的好处</a:t>
+            </a:r>
+            <a:endParaRPr lang="en-US" altLang="zh-CN" dirty="0" smtClean="0"/>
+          </a:p>
+          <a:p>
+            <a:r>
+              <a:rPr lang="en-US" altLang="zh-CN" dirty="0" smtClean="0"/>
+              <a:t>Docker </a:t>
+            </a:r>
+            <a:r>
+              <a:rPr lang="zh-CN" altLang="en-US" dirty="0" smtClean="0"/>
+              <a:t>适用场景</a:t>
+            </a:r>
+            <a:endParaRPr lang="en-US" altLang="zh-CN" dirty="0" smtClean="0"/>
+          </a:p>
+          <a:p>
+            <a:r>
+              <a:rPr lang="en-US" altLang="zh-CN" dirty="0" smtClean="0"/>
+              <a:t>Docker </a:t>
+            </a:r>
+            <a:r>
+              <a:rPr lang="zh-CN" altLang="en-US" dirty="0" smtClean="0"/>
+              <a:t>重要技术概念</a:t>
             </a:r>
             <a:endParaRPr lang="en-US" altLang="zh-CN" dirty="0"/>
           </a:p>
           <a:p>
             <a:r>
-              <a:rPr lang="zh-CN" altLang="en-US" dirty="0" smtClean="0"/>
-              <a:t>所有</a:t>
-            </a:r>
-            <a:r>
-              <a:rPr lang="zh-CN" altLang="en-US" dirty="0"/>
-              <a:t>容器共用系统</a:t>
-            </a:r>
-            <a:r>
-              <a:rPr lang="zh-CN" altLang="en-US" dirty="0" smtClean="0"/>
-              <a:t>内核，安全性隔离还不够高。</a:t>
-            </a:r>
+              <a:rPr lang="en-US" altLang="zh-CN" dirty="0" smtClean="0"/>
+              <a:t>Docker </a:t>
+            </a:r>
+            <a:r>
+              <a:rPr lang="zh-CN" altLang="en-US" dirty="0" smtClean="0"/>
+              <a:t>开发部署流程</a:t>
+            </a:r>
+            <a:endParaRPr lang="en-US" altLang="zh-CN" dirty="0" smtClean="0"/>
+          </a:p>
+          <a:p>
+            <a:r>
+              <a:rPr lang="en-US" altLang="zh-CN" dirty="0" smtClean="0"/>
+              <a:t>Docker </a:t>
+            </a:r>
+            <a:r>
+              <a:rPr lang="zh-CN" altLang="en-US" dirty="0" smtClean="0"/>
+              <a:t>集群化和编排</a:t>
+            </a:r>
+            <a:endParaRPr lang="en-US" altLang="zh-CN" dirty="0" smtClean="0"/>
+          </a:p>
+          <a:p>
+            <a:r>
+              <a:rPr lang="en-US" altLang="zh-CN" dirty="0" smtClean="0"/>
+              <a:t>Docker </a:t>
+            </a:r>
+            <a:r>
+              <a:rPr lang="zh-CN" altLang="en-US" dirty="0" smtClean="0"/>
+              <a:t>参考资料</a:t>
+            </a:r>
+            <a:endParaRPr lang="en-US" altLang="zh-CN" dirty="0" smtClean="0"/>
+          </a:p>
+          <a:p>
             <a:endParaRPr lang="zh-CN" altLang="en-US" dirty="0"/>
           </a:p>
         </p:txBody>
@@ -4358,7 +4410,7 @@
     </p:spTree>
     <p:extLst>
       <p:ext uri="{BB962C8B-B14F-4D97-AF65-F5344CB8AC3E}">
-        <p14:creationId xmlns:p14="http://schemas.microsoft.com/office/powerpoint/2010/main" val="1331953452"/>
+        <p14:creationId xmlns:p14="http://schemas.microsoft.com/office/powerpoint/2010/main" val="3884581885"/>
       </p:ext>
     </p:extLst>
   </p:cSld>
@@ -4394,46 +4446,28 @@
       </p:grpSpPr>
       <p:sp>
         <p:nvSpPr>
-          <p:cNvPr id="2" name="圆角矩形 1"/>
-          <p:cNvSpPr/>
-          <p:nvPr/>
-        </p:nvSpPr>
-        <p:spPr>
-          <a:xfrm>
-            <a:off x="4052236" y="2589190"/>
-            <a:ext cx="3965608" cy="577516"/>
-          </a:xfrm>
-          <a:prstGeom prst="roundRect">
-            <a:avLst/>
-          </a:prstGeom>
-          <a:solidFill>
-            <a:schemeClr val="bg2">
-              <a:lumMod val="90000"/>
-            </a:schemeClr>
-          </a:solidFill>
-        </p:spPr>
-        <p:style>
-          <a:lnRef idx="2">
-            <a:schemeClr val="accent1">
-              <a:shade val="50000"/>
-            </a:schemeClr>
-          </a:lnRef>
-          <a:fillRef idx="1">
-            <a:schemeClr val="accent1"/>
-          </a:fillRef>
-          <a:effectRef idx="0">
-            <a:schemeClr val="accent1"/>
-          </a:effectRef>
-          <a:fontRef idx="minor">
-            <a:schemeClr val="lt1"/>
-          </a:fontRef>
-        </p:style>
-        <p:txBody>
-          <a:bodyPr rtlCol="0" anchor="ctr"/>
-          <a:lstStyle/>
-          <a:p>
-            <a:pPr algn="ctr"/>
-            <a:endParaRPr lang="zh-CN" altLang="en-US"/>
+          <p:cNvPr id="2" name="标题 1"/>
+          <p:cNvSpPr>
+            <a:spLocks noGrp="1"/>
+          </p:cNvSpPr>
+          <p:nvPr>
+            <p:ph type="title"/>
+          </p:nvPr>
+        </p:nvSpPr>
+        <p:spPr/>
+        <p:txBody>
+          <a:bodyPr/>
+          <a:lstStyle/>
+          <a:p>
+            <a:r>
+              <a:rPr lang="en-US" altLang="zh-CN" dirty="0" smtClean="0"/>
+              <a:t>Docker </a:t>
+            </a:r>
+            <a:r>
+              <a:rPr lang="zh-CN" altLang="en-US" dirty="0" smtClean="0"/>
+              <a:t>适用于哪些场景</a:t>
+            </a:r>
+            <a:endParaRPr lang="zh-CN" altLang="en-US" dirty="0"/>
           </a:p>
         </p:txBody>
       </p:sp>
@@ -4447,106 +4481,148 @@
             <p:ph idx="1"/>
           </p:nvPr>
         </p:nvSpPr>
-        <p:spPr>
-          <a:xfrm>
-            <a:off x="4255169" y="1174282"/>
-            <a:ext cx="7150768" cy="5351647"/>
-          </a:xfrm>
-        </p:spPr>
-        <p:txBody>
-          <a:bodyPr/>
-          <a:lstStyle/>
-          <a:p>
-            <a:r>
-              <a:rPr lang="zh-CN" altLang="en-US" dirty="0" smtClean="0"/>
-              <a:t>容器</a:t>
-            </a:r>
+        <p:spPr/>
+        <p:txBody>
+          <a:bodyPr>
+            <a:normAutofit fontScale="92500" lnSpcReduction="10000"/>
+          </a:bodyPr>
+          <a:lstStyle/>
+          <a:p>
+            <a:r>
+              <a:rPr lang="zh-CN" altLang="en-US" dirty="0" smtClean="0"/>
+              <a:t>多小模块（微服务）系统</a:t>
+            </a:r>
+            <a:endParaRPr lang="en-US" altLang="zh-CN" dirty="0"/>
+          </a:p>
+          <a:p>
             <a:r>
               <a:rPr lang="zh-CN" altLang="en-US" dirty="0"/>
-              <a:t>化</a:t>
-            </a:r>
-            <a:r>
-              <a:rPr lang="zh-CN" altLang="en-US" dirty="0" smtClean="0"/>
-              <a:t>技术发展进程</a:t>
-            </a:r>
-            <a:endParaRPr lang="en-US" altLang="zh-CN" dirty="0" smtClean="0"/>
-          </a:p>
-          <a:p>
+              <a:t>跨地区协同</a:t>
+            </a:r>
+            <a:r>
+              <a:rPr lang="zh-CN" altLang="en-US" dirty="0" smtClean="0"/>
+              <a:t>开发，</a:t>
+            </a:r>
+            <a:r>
+              <a:rPr lang="en-US" altLang="zh-CN" dirty="0" smtClean="0"/>
+              <a:t>DevOps</a:t>
+            </a:r>
+          </a:p>
+          <a:p>
+            <a:r>
+              <a:rPr lang="zh-CN" altLang="en-US" dirty="0" smtClean="0"/>
+              <a:t>一台物理机需要部署非常多相互隔离的应用：选择 </a:t>
+            </a:r>
             <a:r>
               <a:rPr lang="en-US" altLang="zh-CN" dirty="0" smtClean="0"/>
               <a:t>Docker </a:t>
             </a:r>
             <a:r>
               <a:rPr lang="zh-CN" altLang="en-US" dirty="0" smtClean="0"/>
-              <a:t>是什么</a:t>
-            </a:r>
-            <a:endParaRPr lang="en-US" altLang="zh-CN" dirty="0" smtClean="0"/>
-          </a:p>
-          <a:p>
-            <a:r>
-              <a:rPr lang="en-US" altLang="zh-CN" dirty="0" smtClean="0"/>
-              <a:t>Docker </a:t>
-            </a:r>
-            <a:r>
-              <a:rPr lang="zh-CN" altLang="en-US" dirty="0" smtClean="0"/>
-              <a:t>的好与坏</a:t>
-            </a:r>
-            <a:endParaRPr lang="en-US" altLang="zh-CN" dirty="0" smtClean="0"/>
-          </a:p>
-          <a:p>
-            <a:r>
-              <a:rPr lang="en-US" altLang="zh-CN" dirty="0" smtClean="0"/>
-              <a:t>Docker </a:t>
-            </a:r>
-            <a:r>
-              <a:rPr lang="zh-CN" altLang="en-US" dirty="0" smtClean="0"/>
-              <a:t>适用场景</a:t>
-            </a:r>
-            <a:endParaRPr lang="en-US" altLang="zh-CN" dirty="0" smtClean="0"/>
-          </a:p>
-          <a:p>
-            <a:r>
-              <a:rPr lang="en-US" altLang="zh-CN" dirty="0" smtClean="0"/>
-              <a:t>Docker </a:t>
-            </a:r>
-            <a:r>
-              <a:rPr lang="zh-CN" altLang="en-US" dirty="0" smtClean="0"/>
-              <a:t>重要技术概念</a:t>
-            </a:r>
-            <a:endParaRPr lang="en-US" altLang="zh-CN" dirty="0"/>
-          </a:p>
-          <a:p>
-            <a:r>
-              <a:rPr lang="en-US" altLang="zh-CN" dirty="0" smtClean="0"/>
-              <a:t>Docker </a:t>
-            </a:r>
-            <a:r>
-              <a:rPr lang="zh-CN" altLang="en-US" dirty="0" smtClean="0"/>
-              <a:t>开发部署流程</a:t>
-            </a:r>
-            <a:endParaRPr lang="en-US" altLang="zh-CN" dirty="0" smtClean="0"/>
-          </a:p>
-          <a:p>
-            <a:r>
-              <a:rPr lang="en-US" altLang="zh-CN" dirty="0" smtClean="0"/>
-              <a:t>Docker </a:t>
-            </a:r>
-            <a:r>
-              <a:rPr lang="zh-CN" altLang="en-US" dirty="0" smtClean="0"/>
-              <a:t>集群化和编排</a:t>
-            </a:r>
-            <a:endParaRPr lang="en-US" altLang="zh-CN" dirty="0" smtClean="0"/>
-          </a:p>
-          <a:p>
-            <a:r>
-              <a:rPr lang="en-US" altLang="zh-CN" dirty="0" smtClean="0"/>
-              <a:t>Docker </a:t>
-            </a:r>
-            <a:r>
-              <a:rPr lang="zh-CN" altLang="en-US" dirty="0" smtClean="0"/>
-              <a:t>参考资料</a:t>
-            </a:r>
-            <a:endParaRPr lang="en-US" altLang="zh-CN" dirty="0" smtClean="0"/>
+              <a:t>容器化比 </a:t>
+            </a:r>
+            <a:r>
+              <a:rPr lang="en-US" altLang="zh-CN" dirty="0" smtClean="0"/>
+              <a:t>VMs </a:t>
+            </a:r>
+            <a:r>
+              <a:rPr lang="zh-CN" altLang="en-US" dirty="0" smtClean="0"/>
+              <a:t>好</a:t>
+            </a:r>
+            <a:endParaRPr lang="en-US" altLang="zh-CN" dirty="0" smtClean="0"/>
+          </a:p>
+          <a:p>
+            <a:r>
+              <a:rPr lang="zh-CN" altLang="en-US" dirty="0" smtClean="0"/>
+              <a:t>多</a:t>
+            </a:r>
+            <a:r>
+              <a:rPr lang="zh-CN" altLang="en-US" dirty="0"/>
+              <a:t>机器</a:t>
+            </a:r>
+            <a:r>
+              <a:rPr lang="zh-CN" altLang="en-US" dirty="0" smtClean="0"/>
+              <a:t>集群</a:t>
+            </a:r>
+            <a:endParaRPr lang="en-US" altLang="zh-CN" dirty="0" smtClean="0"/>
+          </a:p>
+          <a:p>
+            <a:r>
+              <a:rPr lang="zh-CN" altLang="en-US" dirty="0" smtClean="0"/>
+              <a:t>集群多租户</a:t>
+            </a:r>
+            <a:endParaRPr lang="en-US" altLang="zh-CN" dirty="0" smtClean="0"/>
+          </a:p>
+          <a:p>
+            <a:r>
+              <a:rPr lang="zh-CN" altLang="en-US" dirty="0" smtClean="0"/>
+              <a:t>需要弹性计算</a:t>
+            </a:r>
+            <a:endParaRPr lang="en-US" altLang="zh-CN" dirty="0" smtClean="0"/>
+          </a:p>
+          <a:p>
+            <a:r>
+              <a:rPr lang="en-US" altLang="zh-CN" dirty="0" err="1" smtClean="0"/>
+              <a:t>CaaS</a:t>
+            </a:r>
+            <a:r>
+              <a:rPr lang="zh-CN" altLang="en-US" dirty="0" smtClean="0"/>
+              <a:t>、</a:t>
+            </a:r>
+            <a:r>
+              <a:rPr lang="en-US" altLang="zh-CN" dirty="0" smtClean="0"/>
+              <a:t>PaaS</a:t>
+            </a:r>
+            <a:r>
+              <a:rPr lang="zh-CN" altLang="en-US" dirty="0" smtClean="0"/>
+              <a:t>，</a:t>
+            </a:r>
+            <a:r>
+              <a:rPr lang="en-US" altLang="zh-CN" dirty="0" smtClean="0"/>
+              <a:t>IaaS</a:t>
+            </a:r>
+            <a:r>
+              <a:rPr lang="zh-CN" altLang="en-US" dirty="0" smtClean="0"/>
+              <a:t>，</a:t>
+            </a:r>
+            <a:r>
+              <a:rPr lang="en-US" altLang="zh-CN" dirty="0" smtClean="0"/>
+              <a:t>BaaS</a:t>
+            </a:r>
+            <a:r>
+              <a:rPr lang="zh-CN" altLang="en-US" dirty="0" smtClean="0"/>
+              <a:t>，</a:t>
+            </a:r>
+            <a:r>
+              <a:rPr lang="en-US" altLang="zh-CN" dirty="0" smtClean="0"/>
+              <a:t>SaaS </a:t>
+            </a:r>
+            <a:r>
+              <a:rPr lang="zh-CN" altLang="en-US" dirty="0" smtClean="0"/>
+              <a:t>云平台</a:t>
+            </a:r>
+            <a:endParaRPr lang="en-US" altLang="zh-CN" dirty="0" smtClean="0"/>
+          </a:p>
+          <a:p>
+            <a:r>
+              <a:rPr lang="zh-CN" altLang="en-US" dirty="0"/>
+              <a:t>新</a:t>
+            </a:r>
+            <a:r>
+              <a:rPr lang="zh-CN" altLang="en-US" dirty="0" smtClean="0"/>
+              <a:t>公司、新应用：省钱省力</a:t>
+            </a:r>
+            <a:endParaRPr lang="en-US" altLang="zh-CN" dirty="0" smtClean="0"/>
+          </a:p>
+          <a:p>
+            <a:r>
+              <a:rPr lang="zh-CN" altLang="en-US" dirty="0" smtClean="0"/>
+              <a:t>快速 </a:t>
+            </a:r>
+            <a:r>
+              <a:rPr lang="en-US" altLang="zh-CN" dirty="0" smtClean="0"/>
+              <a:t>demo</a:t>
+            </a:r>
           </a:p>
           <a:p>
             <a:endParaRPr lang="zh-CN" altLang="en-US" dirty="0"/>
@@ -4556,7 +4632,7 @@
     </p:spTree>
     <p:extLst>
       <p:ext uri="{BB962C8B-B14F-4D97-AF65-F5344CB8AC3E}">
-        <p14:creationId xmlns:p14="http://schemas.microsoft.com/office/powerpoint/2010/main" val="3884581885"/>
+        <p14:creationId xmlns:p14="http://schemas.microsoft.com/office/powerpoint/2010/main" val="2997013480"/>
       </p:ext>
     </p:extLst>
   </p:cSld>
@@ -4611,7 +4687,7 @@
             </a:r>
             <a:r>
               <a:rPr lang="zh-CN" altLang="en-US" dirty="0" smtClean="0"/>
-              <a:t>适用于哪些场景</a:t>
+              <a:t>避免哪些场景</a:t>
             </a:r>
             <a:endParaRPr lang="zh-CN" altLang="en-US" dirty="0"/>
           </a:p>
@@ -4630,155 +4706,109 @@
         <p:spPr/>
         <p:txBody>
           <a:bodyPr>
-            <a:normAutofit fontScale="92500" lnSpcReduction="10000"/>
+            <a:normAutofit/>
           </a:bodyPr>
           <a:lstStyle/>
           <a:p>
             <a:r>
               <a:rPr lang="zh-CN" altLang="en-US" dirty="0" smtClean="0"/>
-              <a:t>多小模块（微服务）系统</a:t>
+              <a:t>要求</a:t>
+            </a:r>
+            <a:r>
+              <a:rPr lang="zh-CN" altLang="en-US" dirty="0"/>
+              <a:t>超</a:t>
+            </a:r>
+            <a:r>
+              <a:rPr lang="zh-CN" altLang="en-US" dirty="0" smtClean="0"/>
+              <a:t>高 </a:t>
+            </a:r>
+            <a:r>
+              <a:rPr lang="en-US" altLang="zh-CN" dirty="0" smtClean="0"/>
+              <a:t>I/O </a:t>
+            </a:r>
+            <a:r>
+              <a:rPr lang="zh-CN" altLang="en-US" dirty="0" smtClean="0"/>
+              <a:t>应用：数据库</a:t>
+            </a:r>
+            <a:endParaRPr lang="en-US" altLang="zh-CN" dirty="0" smtClean="0"/>
+          </a:p>
+          <a:p>
+            <a:r>
+              <a:rPr lang="zh-CN" altLang="en-US" dirty="0" smtClean="0"/>
+              <a:t>要求超高</a:t>
+            </a:r>
+            <a:r>
+              <a:rPr lang="zh-CN" altLang="en-US" dirty="0"/>
+              <a:t>网络</a:t>
+            </a:r>
+            <a:r>
+              <a:rPr lang="zh-CN" altLang="en-US" dirty="0" smtClean="0"/>
+              <a:t>吞吐量：因为 </a:t>
+            </a:r>
+            <a:r>
+              <a:rPr lang="en-US" altLang="zh-CN" dirty="0" err="1" smtClean="0"/>
+              <a:t>iptable</a:t>
+            </a:r>
+            <a:r>
+              <a:rPr lang="en-US" altLang="zh-CN" dirty="0" smtClean="0"/>
+              <a:t> NAT </a:t>
+            </a:r>
+            <a:r>
+              <a:rPr lang="zh-CN" altLang="en-US" dirty="0" smtClean="0"/>
+              <a:t>转发</a:t>
+            </a:r>
+            <a:endParaRPr lang="en-US" altLang="zh-CN" dirty="0" smtClean="0"/>
+          </a:p>
+          <a:p>
+            <a:r>
+              <a:rPr lang="zh-CN" altLang="en-US" dirty="0" smtClean="0"/>
+              <a:t>要求强依赖系统内核、强隔离</a:t>
+            </a:r>
+            <a:endParaRPr lang="en-US" altLang="zh-CN" dirty="0" smtClean="0"/>
+          </a:p>
+          <a:p>
+            <a:r>
+              <a:rPr lang="zh-CN" altLang="en-US" dirty="0" smtClean="0"/>
+              <a:t>依赖 </a:t>
+            </a:r>
+            <a:r>
+              <a:rPr lang="en-US" altLang="zh-CN" dirty="0" smtClean="0"/>
+              <a:t>Windows </a:t>
+            </a:r>
+            <a:r>
+              <a:rPr lang="zh-CN" altLang="en-US" dirty="0" smtClean="0"/>
+              <a:t>系统接口的应用</a:t>
+            </a:r>
+            <a:endParaRPr lang="en-US" altLang="zh-CN" dirty="0" smtClean="0"/>
+          </a:p>
+          <a:p>
+            <a:r>
+              <a:rPr lang="zh-CN" altLang="en-US" dirty="0" smtClean="0"/>
+              <a:t>宿主机需要暴露在公网上</a:t>
+            </a:r>
+            <a:endParaRPr lang="en-US" altLang="zh-CN" dirty="0" smtClean="0"/>
+          </a:p>
+          <a:p>
+            <a:r>
+              <a:rPr lang="zh-CN" altLang="en-US" dirty="0" smtClean="0"/>
+              <a:t>想把容器当 </a:t>
+            </a:r>
+            <a:r>
+              <a:rPr lang="en-US" altLang="zh-CN" dirty="0" smtClean="0"/>
+              <a:t>Linux </a:t>
+            </a:r>
+            <a:r>
+              <a:rPr lang="zh-CN" altLang="en-US" dirty="0" smtClean="0"/>
+              <a:t>系统使用</a:t>
             </a:r>
             <a:endParaRPr lang="en-US" altLang="zh-CN" dirty="0"/>
-          </a:p>
-          <a:p>
-            <a:r>
-              <a:rPr lang="zh-CN" altLang="en-US" dirty="0"/>
-              <a:t>跨地区协同</a:t>
-            </a:r>
-            <a:r>
-              <a:rPr lang="zh-CN" altLang="en-US" dirty="0" smtClean="0"/>
-              <a:t>开发，</a:t>
-            </a:r>
-            <a:r>
-              <a:rPr lang="en-US" altLang="zh-CN" dirty="0" smtClean="0"/>
-              <a:t>DevOps</a:t>
-            </a:r>
-          </a:p>
-          <a:p>
-            <a:r>
-              <a:rPr lang="zh-CN" altLang="en-US" dirty="0" smtClean="0"/>
-              <a:t>一台物理机需要部署非常多相互隔离的应用：选择 </a:t>
-            </a:r>
-            <a:r>
-              <a:rPr lang="en-US" altLang="zh-CN" dirty="0" smtClean="0"/>
-              <a:t>Docker </a:t>
-            </a:r>
-            <a:r>
-              <a:rPr lang="zh-CN" altLang="en-US" dirty="0" smtClean="0"/>
-              <a:t>容器化比 </a:t>
-            </a:r>
-            <a:r>
-              <a:rPr lang="en-US" altLang="zh-CN" dirty="0" smtClean="0"/>
-              <a:t>VMs </a:t>
-            </a:r>
-            <a:r>
-              <a:rPr lang="zh-CN" altLang="en-US" dirty="0" smtClean="0"/>
-              <a:t>好</a:t>
-            </a:r>
-            <a:endParaRPr lang="en-US" altLang="zh-CN" dirty="0" smtClean="0"/>
-          </a:p>
-          <a:p>
-            <a:r>
-              <a:rPr lang="zh-CN" altLang="en-US" dirty="0" smtClean="0"/>
-              <a:t>多</a:t>
-            </a:r>
-            <a:r>
-              <a:rPr lang="zh-CN" altLang="en-US" dirty="0"/>
-              <a:t>机器</a:t>
-            </a:r>
-            <a:r>
-              <a:rPr lang="zh-CN" altLang="en-US" dirty="0" smtClean="0"/>
-              <a:t>集群</a:t>
-            </a:r>
-            <a:endParaRPr lang="en-US" altLang="zh-CN" dirty="0" smtClean="0"/>
-          </a:p>
-          <a:p>
-            <a:r>
-              <a:rPr lang="zh-CN" altLang="en-US" dirty="0" smtClean="0"/>
-              <a:t>集群多租户</a:t>
-            </a:r>
-            <a:endParaRPr lang="en-US" altLang="zh-CN" dirty="0" smtClean="0"/>
-          </a:p>
-          <a:p>
-            <a:r>
-              <a:rPr lang="zh-CN" altLang="en-US" dirty="0" smtClean="0"/>
-              <a:t>需要弹性计算</a:t>
-            </a:r>
-            <a:endParaRPr lang="en-US" altLang="zh-CN" dirty="0" smtClean="0"/>
-          </a:p>
-          <a:p>
-            <a:r>
-              <a:rPr lang="en-US" altLang="zh-CN" dirty="0" err="1" smtClean="0"/>
-              <a:t>CaaS</a:t>
-            </a:r>
-            <a:r>
-              <a:rPr lang="zh-CN" altLang="en-US" dirty="0" smtClean="0"/>
-              <a:t>、</a:t>
-            </a:r>
-            <a:r>
-              <a:rPr lang="en-US" altLang="zh-CN" dirty="0" smtClean="0"/>
-              <a:t>PaaS</a:t>
-            </a:r>
-            <a:r>
-              <a:rPr lang="zh-CN" altLang="en-US" dirty="0" smtClean="0"/>
-              <a:t>，</a:t>
-            </a:r>
-            <a:r>
-              <a:rPr lang="en-US" altLang="zh-CN" dirty="0" smtClean="0"/>
-              <a:t>IaaS</a:t>
-            </a:r>
-            <a:r>
-              <a:rPr lang="zh-CN" altLang="en-US" dirty="0" smtClean="0"/>
-              <a:t>，</a:t>
-            </a:r>
-            <a:r>
-              <a:rPr lang="en-US" altLang="zh-CN" dirty="0" smtClean="0"/>
-              <a:t>BaaS</a:t>
-            </a:r>
-            <a:r>
-              <a:rPr lang="zh-CN" altLang="en-US" dirty="0" smtClean="0"/>
-              <a:t>，</a:t>
-            </a:r>
-            <a:r>
-              <a:rPr lang="en-US" altLang="zh-CN" dirty="0" smtClean="0"/>
-              <a:t>SaaS </a:t>
-            </a:r>
-            <a:r>
-              <a:rPr lang="zh-CN" altLang="en-US" dirty="0" smtClean="0"/>
-              <a:t>云平台</a:t>
-            </a:r>
-            <a:endParaRPr lang="en-US" altLang="zh-CN" dirty="0" smtClean="0"/>
-          </a:p>
-          <a:p>
-            <a:r>
-              <a:rPr lang="zh-CN" altLang="en-US" dirty="0"/>
-              <a:t>新</a:t>
-            </a:r>
-            <a:r>
-              <a:rPr lang="zh-CN" altLang="en-US" dirty="0" smtClean="0"/>
-              <a:t>公司、新应用：省钱省力</a:t>
-            </a:r>
-            <a:endParaRPr lang="en-US" altLang="zh-CN" dirty="0" smtClean="0"/>
-          </a:p>
-          <a:p>
-            <a:r>
-              <a:rPr lang="zh-CN" altLang="en-US" dirty="0" smtClean="0"/>
-              <a:t>快速 </a:t>
-            </a:r>
-            <a:r>
-              <a:rPr lang="en-US" altLang="zh-CN" dirty="0" smtClean="0"/>
-              <a:t>demo</a:t>
-            </a:r>
-          </a:p>
-          <a:p>
-            <a:endParaRPr lang="zh-CN" altLang="en-US" dirty="0"/>
           </a:p>
         </p:txBody>
       </p:sp>
     </p:spTree>
     <p:extLst>
       <p:ext uri="{BB962C8B-B14F-4D97-AF65-F5344CB8AC3E}">
-        <p14:creationId xmlns:p14="http://schemas.microsoft.com/office/powerpoint/2010/main" val="2997013480"/>
+        <p14:creationId xmlns:p14="http://schemas.microsoft.com/office/powerpoint/2010/main" val="3213900278"/>
       </p:ext>
     </p:extLst>
   </p:cSld>
@@ -4814,147 +4844,169 @@
       </p:grpSpPr>
       <p:sp>
         <p:nvSpPr>
-          <p:cNvPr id="2" name="标题 1"/>
-          <p:cNvSpPr>
-            <a:spLocks noGrp="1"/>
-          </p:cNvSpPr>
-          <p:nvPr>
-            <p:ph type="title"/>
-          </p:nvPr>
-        </p:nvSpPr>
-        <p:spPr/>
+          <p:cNvPr id="2" name="圆角矩形 1"/>
+          <p:cNvSpPr/>
+          <p:nvPr/>
+        </p:nvSpPr>
+        <p:spPr>
+          <a:xfrm>
+            <a:off x="4052236" y="3108949"/>
+            <a:ext cx="3965608" cy="577516"/>
+          </a:xfrm>
+          <a:prstGeom prst="roundRect">
+            <a:avLst/>
+          </a:prstGeom>
+          <a:solidFill>
+            <a:schemeClr val="bg2">
+              <a:lumMod val="90000"/>
+            </a:schemeClr>
+          </a:solidFill>
+        </p:spPr>
+        <p:style>
+          <a:lnRef idx="2">
+            <a:schemeClr val="accent1">
+              <a:shade val="50000"/>
+            </a:schemeClr>
+          </a:lnRef>
+          <a:fillRef idx="1">
+            <a:schemeClr val="accent1"/>
+          </a:fillRef>
+          <a:effectRef idx="0">
+            <a:schemeClr val="accent1"/>
+          </a:effectRef>
+          <a:fontRef idx="minor">
+            <a:schemeClr val="lt1"/>
+          </a:fontRef>
+        </p:style>
+        <p:txBody>
+          <a:bodyPr rtlCol="0" anchor="ctr"/>
+          <a:lstStyle/>
+          <a:p>
+            <a:pPr algn="ctr"/>
+            <a:endParaRPr lang="zh-CN" altLang="en-US"/>
+          </a:p>
+        </p:txBody>
+      </p:sp>
+      <p:sp>
+        <p:nvSpPr>
+          <p:cNvPr id="3" name="内容占位符 2"/>
+          <p:cNvSpPr>
+            <a:spLocks noGrp="1"/>
+          </p:cNvSpPr>
+          <p:nvPr>
+            <p:ph idx="1"/>
+          </p:nvPr>
+        </p:nvSpPr>
+        <p:spPr>
+          <a:xfrm>
+            <a:off x="4255169" y="1174282"/>
+            <a:ext cx="7150768" cy="5351647"/>
+          </a:xfrm>
+        </p:spPr>
         <p:txBody>
           <a:bodyPr/>
           <a:lstStyle/>
           <a:p>
             <a:r>
+              <a:rPr lang="zh-CN" altLang="en-US" dirty="0" smtClean="0"/>
+              <a:t>容器</a:t>
+            </a:r>
+            <a:r>
+              <a:rPr lang="zh-CN" altLang="en-US" dirty="0"/>
+              <a:t>化</a:t>
+            </a:r>
+            <a:r>
+              <a:rPr lang="zh-CN" altLang="en-US" dirty="0" smtClean="0"/>
+              <a:t>技术发展进程</a:t>
+            </a:r>
+            <a:endParaRPr lang="en-US" altLang="zh-CN" dirty="0" smtClean="0"/>
+          </a:p>
+          <a:p>
+            <a:r>
               <a:rPr lang="en-US" altLang="zh-CN" dirty="0" smtClean="0"/>
               <a:t>Docker </a:t>
             </a:r>
             <a:r>
               <a:rPr lang="zh-CN" altLang="en-US" dirty="0" smtClean="0"/>
-              <a:t>避免哪些场景</a:t>
-            </a:r>
+              <a:t>是什么</a:t>
+            </a:r>
+            <a:endParaRPr lang="en-US" altLang="zh-CN" dirty="0" smtClean="0"/>
+          </a:p>
+          <a:p>
+            <a:r>
+              <a:rPr lang="en-US" altLang="zh-CN" dirty="0" smtClean="0"/>
+              <a:t>Docker </a:t>
+            </a:r>
+            <a:r>
+              <a:rPr lang="zh-CN" altLang="en-US" dirty="0" smtClean="0"/>
+              <a:t>的好处</a:t>
+            </a:r>
+            <a:endParaRPr lang="en-US" altLang="zh-CN" dirty="0" smtClean="0"/>
+          </a:p>
+          <a:p>
+            <a:r>
+              <a:rPr lang="en-US" altLang="zh-CN" dirty="0" smtClean="0"/>
+              <a:t>Docker </a:t>
+            </a:r>
+            <a:r>
+              <a:rPr lang="zh-CN" altLang="en-US" dirty="0" smtClean="0"/>
+              <a:t>适用场景</a:t>
+            </a:r>
+            <a:endParaRPr lang="en-US" altLang="zh-CN" dirty="0" smtClean="0"/>
+          </a:p>
+          <a:p>
+            <a:r>
+              <a:rPr lang="en-US" altLang="zh-CN" dirty="0" smtClean="0"/>
+              <a:t>Docker </a:t>
+            </a:r>
+            <a:r>
+              <a:rPr lang="zh-CN" altLang="en-US" dirty="0" smtClean="0"/>
+              <a:t>重要技术概念</a:t>
+            </a:r>
+            <a:endParaRPr lang="en-US" altLang="zh-CN" dirty="0"/>
+          </a:p>
+          <a:p>
+            <a:r>
+              <a:rPr lang="en-US" altLang="zh-CN" dirty="0" smtClean="0"/>
+              <a:t>Docker </a:t>
+            </a:r>
+            <a:r>
+              <a:rPr lang="zh-CN" altLang="en-US" dirty="0" smtClean="0"/>
+              <a:t>开发部署流程</a:t>
+            </a:r>
+            <a:endParaRPr lang="en-US" altLang="zh-CN" dirty="0" smtClean="0"/>
+          </a:p>
+          <a:p>
+            <a:r>
+              <a:rPr lang="en-US" altLang="zh-CN" dirty="0" smtClean="0"/>
+              <a:t>Docker </a:t>
+            </a:r>
+            <a:r>
+              <a:rPr lang="zh-CN" altLang="en-US" dirty="0" smtClean="0"/>
+              <a:t>集群化和编排</a:t>
+            </a:r>
+            <a:endParaRPr lang="en-US" altLang="zh-CN" dirty="0" smtClean="0"/>
+          </a:p>
+          <a:p>
+            <a:r>
+              <a:rPr lang="en-US" altLang="zh-CN" dirty="0" smtClean="0"/>
+              <a:t>Docker </a:t>
+            </a:r>
+            <a:r>
+              <a:rPr lang="zh-CN" altLang="en-US" dirty="0" smtClean="0"/>
+              <a:t>参考资料</a:t>
+            </a:r>
+            <a:endParaRPr lang="en-US" altLang="zh-CN" dirty="0" smtClean="0"/>
+          </a:p>
+          <a:p>
             <a:endParaRPr lang="zh-CN" altLang="en-US" dirty="0"/>
-          </a:p>
-        </p:txBody>
-      </p:sp>
-      <p:sp>
-        <p:nvSpPr>
-          <p:cNvPr id="3" name="内容占位符 2"/>
-          <p:cNvSpPr>
-            <a:spLocks noGrp="1"/>
-          </p:cNvSpPr>
-          <p:nvPr>
-            <p:ph idx="1"/>
-          </p:nvPr>
-        </p:nvSpPr>
-        <p:spPr/>
-        <p:txBody>
-          <a:bodyPr>
-            <a:normAutofit/>
-          </a:bodyPr>
-          <a:lstStyle/>
-          <a:p>
-            <a:r>
-              <a:rPr lang="zh-CN" altLang="en-US" dirty="0" smtClean="0"/>
-              <a:t>要求</a:t>
-            </a:r>
-            <a:r>
-              <a:rPr lang="zh-CN" altLang="en-US" dirty="0"/>
-              <a:t>超</a:t>
-            </a:r>
-            <a:r>
-              <a:rPr lang="zh-CN" altLang="en-US" dirty="0" smtClean="0"/>
-              <a:t>高 </a:t>
-            </a:r>
-            <a:r>
-              <a:rPr lang="en-US" altLang="zh-CN" dirty="0" smtClean="0"/>
-              <a:t>I/O </a:t>
-            </a:r>
-            <a:r>
-              <a:rPr lang="zh-CN" altLang="en-US" dirty="0" smtClean="0"/>
-              <a:t>应用：数据库</a:t>
-            </a:r>
-            <a:endParaRPr lang="en-US" altLang="zh-CN" dirty="0" smtClean="0"/>
-          </a:p>
-          <a:p>
-            <a:r>
-              <a:rPr lang="zh-CN" altLang="en-US" dirty="0" smtClean="0"/>
-              <a:t>要求超高</a:t>
-            </a:r>
-            <a:r>
-              <a:rPr lang="zh-CN" altLang="en-US" dirty="0"/>
-              <a:t>网络</a:t>
-            </a:r>
-            <a:r>
-              <a:rPr lang="zh-CN" altLang="en-US" dirty="0" smtClean="0"/>
-              <a:t>吞吐量：因为 </a:t>
-            </a:r>
-            <a:r>
-              <a:rPr lang="en-US" altLang="zh-CN" dirty="0" err="1" smtClean="0"/>
-              <a:t>iptable</a:t>
-            </a:r>
-            <a:r>
-              <a:rPr lang="en-US" altLang="zh-CN" dirty="0" smtClean="0"/>
-              <a:t> NAT </a:t>
-            </a:r>
-            <a:r>
-              <a:rPr lang="zh-CN" altLang="en-US" dirty="0" smtClean="0"/>
-              <a:t>转发</a:t>
-            </a:r>
-            <a:endParaRPr lang="en-US" altLang="zh-CN" dirty="0" smtClean="0"/>
-          </a:p>
-          <a:p>
-            <a:r>
-              <a:rPr lang="zh-CN" altLang="en-US" dirty="0" smtClean="0"/>
-              <a:t>要求强依赖系统内核、强隔离</a:t>
-            </a:r>
-            <a:endParaRPr lang="en-US" altLang="zh-CN" dirty="0" smtClean="0"/>
-          </a:p>
-          <a:p>
-            <a:r>
-              <a:rPr lang="zh-CN" altLang="en-US" dirty="0" smtClean="0"/>
-              <a:t>依赖 </a:t>
-            </a:r>
-            <a:r>
-              <a:rPr lang="en-US" altLang="zh-CN" dirty="0" smtClean="0"/>
-              <a:t>Windows </a:t>
-            </a:r>
-            <a:r>
-              <a:rPr lang="zh-CN" altLang="en-US" dirty="0" smtClean="0"/>
-              <a:t>系统接口的应用</a:t>
-            </a:r>
-            <a:endParaRPr lang="en-US" altLang="zh-CN" dirty="0" smtClean="0"/>
-          </a:p>
-          <a:p>
-            <a:r>
-              <a:rPr lang="zh-CN" altLang="en-US" dirty="0" smtClean="0"/>
-              <a:t>宿主机需要暴露在公网上</a:t>
-            </a:r>
-            <a:endParaRPr lang="en-US" altLang="zh-CN" dirty="0" smtClean="0"/>
-          </a:p>
-          <a:p>
-            <a:r>
-              <a:rPr lang="zh-CN" altLang="en-US" dirty="0" smtClean="0"/>
-              <a:t>想把容器当 </a:t>
-            </a:r>
-            <a:r>
-              <a:rPr lang="en-US" altLang="zh-CN" dirty="0" smtClean="0"/>
-              <a:t>Linux </a:t>
-            </a:r>
-            <a:r>
-              <a:rPr lang="zh-CN" altLang="en-US" dirty="0" smtClean="0"/>
-              <a:t>系统使用</a:t>
-            </a:r>
-            <a:endParaRPr lang="en-US" altLang="zh-CN" dirty="0"/>
           </a:p>
         </p:txBody>
       </p:sp>
     </p:spTree>
     <p:extLst>
       <p:ext uri="{BB962C8B-B14F-4D97-AF65-F5344CB8AC3E}">
-        <p14:creationId xmlns:p14="http://schemas.microsoft.com/office/powerpoint/2010/main" val="3213900278"/>
+        <p14:creationId xmlns:p14="http://schemas.microsoft.com/office/powerpoint/2010/main" val="1519802349"/>
       </p:ext>
     </p:extLst>
   </p:cSld>
@@ -4990,204 +5042,6 @@
       </p:grpSpPr>
       <p:sp>
         <p:nvSpPr>
-          <p:cNvPr id="2" name="圆角矩形 1"/>
-          <p:cNvSpPr/>
-          <p:nvPr/>
-        </p:nvSpPr>
-        <p:spPr>
-          <a:xfrm>
-            <a:off x="4052236" y="3108949"/>
-            <a:ext cx="3965608" cy="577516"/>
-          </a:xfrm>
-          <a:prstGeom prst="roundRect">
-            <a:avLst/>
-          </a:prstGeom>
-          <a:solidFill>
-            <a:schemeClr val="bg2">
-              <a:lumMod val="90000"/>
-            </a:schemeClr>
-          </a:solidFill>
-        </p:spPr>
-        <p:style>
-          <a:lnRef idx="2">
-            <a:schemeClr val="accent1">
-              <a:shade val="50000"/>
-            </a:schemeClr>
-          </a:lnRef>
-          <a:fillRef idx="1">
-            <a:schemeClr val="accent1"/>
-          </a:fillRef>
-          <a:effectRef idx="0">
-            <a:schemeClr val="accent1"/>
-          </a:effectRef>
-          <a:fontRef idx="minor">
-            <a:schemeClr val="lt1"/>
-          </a:fontRef>
-        </p:style>
-        <p:txBody>
-          <a:bodyPr rtlCol="0" anchor="ctr"/>
-          <a:lstStyle/>
-          <a:p>
-            <a:pPr algn="ctr"/>
-            <a:endParaRPr lang="zh-CN" altLang="en-US"/>
-          </a:p>
-        </p:txBody>
-      </p:sp>
-      <p:sp>
-        <p:nvSpPr>
-          <p:cNvPr id="3" name="内容占位符 2"/>
-          <p:cNvSpPr>
-            <a:spLocks noGrp="1"/>
-          </p:cNvSpPr>
-          <p:nvPr>
-            <p:ph idx="1"/>
-          </p:nvPr>
-        </p:nvSpPr>
-        <p:spPr>
-          <a:xfrm>
-            <a:off x="4255169" y="1174282"/>
-            <a:ext cx="7150768" cy="5351647"/>
-          </a:xfrm>
-        </p:spPr>
-        <p:txBody>
-          <a:bodyPr/>
-          <a:lstStyle/>
-          <a:p>
-            <a:r>
-              <a:rPr lang="zh-CN" altLang="en-US" dirty="0" smtClean="0"/>
-              <a:t>容器</a:t>
-            </a:r>
-            <a:r>
-              <a:rPr lang="zh-CN" altLang="en-US" dirty="0"/>
-              <a:t>化</a:t>
-            </a:r>
-            <a:r>
-              <a:rPr lang="zh-CN" altLang="en-US" dirty="0" smtClean="0"/>
-              <a:t>技术发展进程</a:t>
-            </a:r>
-            <a:endParaRPr lang="en-US" altLang="zh-CN" dirty="0" smtClean="0"/>
-          </a:p>
-          <a:p>
-            <a:r>
-              <a:rPr lang="en-US" altLang="zh-CN" dirty="0" smtClean="0"/>
-              <a:t>Docker </a:t>
-            </a:r>
-            <a:r>
-              <a:rPr lang="zh-CN" altLang="en-US" dirty="0" smtClean="0"/>
-              <a:t>是什么</a:t>
-            </a:r>
-            <a:endParaRPr lang="en-US" altLang="zh-CN" dirty="0" smtClean="0"/>
-          </a:p>
-          <a:p>
-            <a:r>
-              <a:rPr lang="en-US" altLang="zh-CN" dirty="0" smtClean="0"/>
-              <a:t>Docker </a:t>
-            </a:r>
-            <a:r>
-              <a:rPr lang="zh-CN" altLang="en-US" dirty="0" smtClean="0"/>
-              <a:t>的好与坏</a:t>
-            </a:r>
-            <a:endParaRPr lang="en-US" altLang="zh-CN" dirty="0" smtClean="0"/>
-          </a:p>
-          <a:p>
-            <a:r>
-              <a:rPr lang="en-US" altLang="zh-CN" dirty="0" smtClean="0"/>
-              <a:t>Docker </a:t>
-            </a:r>
-            <a:r>
-              <a:rPr lang="zh-CN" altLang="en-US" dirty="0" smtClean="0"/>
-              <a:t>适用场景</a:t>
-            </a:r>
-            <a:endParaRPr lang="en-US" altLang="zh-CN" dirty="0" smtClean="0"/>
-          </a:p>
-          <a:p>
-            <a:r>
-              <a:rPr lang="en-US" altLang="zh-CN" dirty="0" smtClean="0"/>
-              <a:t>Docker </a:t>
-            </a:r>
-            <a:r>
-              <a:rPr lang="zh-CN" altLang="en-US" dirty="0" smtClean="0"/>
-              <a:t>重要技术概念</a:t>
-            </a:r>
-            <a:endParaRPr lang="en-US" altLang="zh-CN" dirty="0"/>
-          </a:p>
-          <a:p>
-            <a:r>
-              <a:rPr lang="en-US" altLang="zh-CN" dirty="0" smtClean="0"/>
-              <a:t>Docker </a:t>
-            </a:r>
-            <a:r>
-              <a:rPr lang="zh-CN" altLang="en-US" dirty="0" smtClean="0"/>
-              <a:t>开发部署流程</a:t>
-            </a:r>
-            <a:endParaRPr lang="en-US" altLang="zh-CN" dirty="0" smtClean="0"/>
-          </a:p>
-          <a:p>
-            <a:r>
-              <a:rPr lang="en-US" altLang="zh-CN" dirty="0" smtClean="0"/>
-              <a:t>Docker </a:t>
-            </a:r>
-            <a:r>
-              <a:rPr lang="zh-CN" altLang="en-US" dirty="0" smtClean="0"/>
-              <a:t>集群化和编排</a:t>
-            </a:r>
-            <a:endParaRPr lang="en-US" altLang="zh-CN" dirty="0" smtClean="0"/>
-          </a:p>
-          <a:p>
-            <a:r>
-              <a:rPr lang="en-US" altLang="zh-CN" dirty="0" smtClean="0"/>
-              <a:t>Docker </a:t>
-            </a:r>
-            <a:r>
-              <a:rPr lang="zh-CN" altLang="en-US" dirty="0" smtClean="0"/>
-              <a:t>参考资料</a:t>
-            </a:r>
-            <a:endParaRPr lang="en-US" altLang="zh-CN" dirty="0" smtClean="0"/>
-          </a:p>
-          <a:p>
-            <a:endParaRPr lang="zh-CN" altLang="en-US" dirty="0"/>
-          </a:p>
-        </p:txBody>
-      </p:sp>
-    </p:spTree>
-    <p:extLst>
-      <p:ext uri="{BB962C8B-B14F-4D97-AF65-F5344CB8AC3E}">
-        <p14:creationId xmlns:p14="http://schemas.microsoft.com/office/powerpoint/2010/main" val="1519802349"/>
-      </p:ext>
-    </p:extLst>
-  </p:cSld>
-  <p:clrMapOvr>
-    <a:masterClrMapping/>
-  </p:clrMapOvr>
-  <p:timing>
-    <p:tnLst>
-      <p:par>
-        <p:cTn id="1" dur="indefinite" restart="never" nodeType="tmRoot"/>
-      </p:par>
-    </p:tnLst>
-  </p:timing>
-</p:sld>
-</file>
-
-<file path=ppt/slides/slide18.xml><?xml version="1.0" encoding="utf-8"?>
-<p:sld xmlns:a="http://schemas.openxmlformats.org/drawingml/2006/main" xmlns:r="http://schemas.openxmlformats.org/officeDocument/2006/relationships" xmlns:p="http://schemas.openxmlformats.org/presentationml/2006/main">
-  <p:cSld>
-    <p:spTree>
-      <p:nvGrpSpPr>
-        <p:cNvPr id="1" name=""/>
-        <p:cNvGrpSpPr/>
-        <p:nvPr/>
-      </p:nvGrpSpPr>
-      <p:grpSpPr>
-        <a:xfrm>
-          <a:off x="0" y="0"/>
-          <a:ext cx="0" cy="0"/>
-          <a:chOff x="0" y="0"/>
-          <a:chExt cx="0" cy="0"/>
-        </a:xfrm>
-      </p:grpSpPr>
-      <p:sp>
-        <p:nvSpPr>
           <p:cNvPr id="2" name="标题 1"/>
           <p:cNvSpPr>
             <a:spLocks noGrp="1"/>
@@ -5362,7 +5216,7 @@
 </p:sld>
 </file>
 
-<file path=ppt/slides/slide19.xml><?xml version="1.0" encoding="utf-8"?>
+<file path=ppt/slides/slide18.xml><?xml version="1.0" encoding="utf-8"?>
 <p:sld xmlns:a="http://schemas.openxmlformats.org/drawingml/2006/main" xmlns:r="http://schemas.openxmlformats.org/officeDocument/2006/relationships" xmlns:p="http://schemas.openxmlformats.org/presentationml/2006/main">
   <p:cSld>
     <p:spTree>
@@ -5454,6 +5308,131 @@
 </p:sld>
 </file>
 
+<file path=ppt/slides/slide19.xml><?xml version="1.0" encoding="utf-8"?>
+<p:sld xmlns:a="http://schemas.openxmlformats.org/drawingml/2006/main" xmlns:r="http://schemas.openxmlformats.org/officeDocument/2006/relationships" xmlns:p="http://schemas.openxmlformats.org/presentationml/2006/main">
+  <p:cSld>
+    <p:spTree>
+      <p:nvGrpSpPr>
+        <p:cNvPr id="1" name=""/>
+        <p:cNvGrpSpPr/>
+        <p:nvPr/>
+      </p:nvGrpSpPr>
+      <p:grpSpPr>
+        <a:xfrm>
+          <a:off x="0" y="0"/>
+          <a:ext cx="0" cy="0"/>
+          <a:chOff x="0" y="0"/>
+          <a:chExt cx="0" cy="0"/>
+        </a:xfrm>
+      </p:grpSpPr>
+      <p:sp>
+        <p:nvSpPr>
+          <p:cNvPr id="2" name="标题 1"/>
+          <p:cNvSpPr>
+            <a:spLocks noGrp="1"/>
+          </p:cNvSpPr>
+          <p:nvPr>
+            <p:ph type="title"/>
+          </p:nvPr>
+        </p:nvSpPr>
+        <p:spPr/>
+        <p:txBody>
+          <a:bodyPr/>
+          <a:lstStyle/>
+          <a:p>
+            <a:r>
+              <a:rPr lang="en-US" altLang="zh-CN" dirty="0"/>
+              <a:t>Docker </a:t>
+            </a:r>
+            <a:r>
+              <a:rPr lang="zh-CN" altLang="en-US" dirty="0"/>
+              <a:t>包括三个基本概念</a:t>
+            </a:r>
+          </a:p>
+        </p:txBody>
+      </p:sp>
+      <p:sp>
+        <p:nvSpPr>
+          <p:cNvPr id="3" name="内容占位符 2"/>
+          <p:cNvSpPr>
+            <a:spLocks noGrp="1"/>
+          </p:cNvSpPr>
+          <p:nvPr>
+            <p:ph idx="1"/>
+          </p:nvPr>
+        </p:nvSpPr>
+        <p:spPr/>
+        <p:txBody>
+          <a:bodyPr/>
+          <a:lstStyle/>
+          <a:p>
+            <a:r>
+              <a:rPr lang="zh-CN" altLang="en-US" dirty="0"/>
+              <a:t>镜像（</a:t>
+            </a:r>
+            <a:r>
+              <a:rPr lang="en-US" altLang="zh-CN" dirty="0"/>
+              <a:t>Image</a:t>
+            </a:r>
+            <a:r>
+              <a:rPr lang="zh-CN" altLang="en-US" dirty="0"/>
+              <a:t>） 容器（</a:t>
+            </a:r>
+            <a:r>
+              <a:rPr lang="en-US" altLang="zh-CN" dirty="0"/>
+              <a:t>Container</a:t>
+            </a:r>
+            <a:r>
+              <a:rPr lang="zh-CN" altLang="en-US" dirty="0"/>
+              <a:t>） 仓库（</a:t>
+            </a:r>
+            <a:r>
+              <a:rPr lang="en-US" altLang="zh-CN" dirty="0"/>
+              <a:t>Repository</a:t>
+            </a:r>
+            <a:r>
+              <a:rPr lang="zh-CN" altLang="en-US" dirty="0"/>
+              <a:t>） 理解了这三个概念，就理解了 </a:t>
+            </a:r>
+            <a:r>
+              <a:rPr lang="en-US" altLang="zh-CN" dirty="0"/>
+              <a:t>Docker </a:t>
+            </a:r>
+            <a:r>
+              <a:rPr lang="zh-CN" altLang="en-US" dirty="0"/>
+              <a:t>的整个生命周期</a:t>
+            </a:r>
+            <a:r>
+              <a:rPr lang="zh-CN" altLang="en-US" dirty="0" smtClean="0"/>
+              <a:t>。</a:t>
+            </a:r>
+            <a:endParaRPr lang="en-US" altLang="zh-CN" dirty="0" smtClean="0"/>
+          </a:p>
+          <a:p>
+            <a:endParaRPr lang="zh-CN" altLang="en-US" dirty="0"/>
+          </a:p>
+        </p:txBody>
+      </p:sp>
+    </p:spTree>
+    <p:extLst>
+      <p:ext uri="{BB962C8B-B14F-4D97-AF65-F5344CB8AC3E}">
+        <p14:creationId xmlns:p14="http://schemas.microsoft.com/office/powerpoint/2010/main" val="1405142530"/>
+      </p:ext>
+    </p:extLst>
+  </p:cSld>
+  <p:clrMapOvr>
+    <a:masterClrMapping/>
+  </p:clrMapOvr>
+  <p:timing>
+    <p:tnLst>
+      <p:par>
+        <p:cTn id="1" dur="indefinite" restart="never" nodeType="tmRoot"/>
+      </p:par>
+    </p:tnLst>
+  </p:timing>
+</p:sld>
+</file>
+
 <file path=ppt/slides/slide2.xml><?xml version="1.0" encoding="utf-8"?>
 <p:sld xmlns:a="http://schemas.openxmlformats.org/drawingml/2006/main" xmlns:r="http://schemas.openxmlformats.org/officeDocument/2006/relationships" xmlns:p="http://schemas.openxmlformats.org/presentationml/2006/main">
   <p:cSld>
@@ -5523,7 +5502,7 @@
             </a:r>
             <a:r>
               <a:rPr lang="zh-CN" altLang="en-US" dirty="0" smtClean="0"/>
-              <a:t>的好与坏</a:t>
+              <a:t>的好处</a:t>
             </a:r>
             <a:endParaRPr lang="en-US" altLang="zh-CN" dirty="0" smtClean="0"/>
           </a:p>
@@ -5640,66 +5619,126 @@
           <a:lstStyle/>
           <a:p>
             <a:r>
+              <a:rPr lang="zh-CN" altLang="en-US" dirty="0" smtClean="0"/>
+              <a:t>镜像 </a:t>
+            </a:r>
+            <a:r>
+              <a:rPr lang="en-US" altLang="zh-CN" dirty="0" smtClean="0"/>
+              <a:t>Image</a:t>
+            </a:r>
+            <a:endParaRPr lang="zh-CN" altLang="en-US" dirty="0"/>
+          </a:p>
+        </p:txBody>
+      </p:sp>
+      <p:sp>
+        <p:nvSpPr>
+          <p:cNvPr id="3" name="内容占位符 2"/>
+          <p:cNvSpPr>
+            <a:spLocks noGrp="1"/>
+          </p:cNvSpPr>
+          <p:nvPr>
+            <p:ph idx="1"/>
+          </p:nvPr>
+        </p:nvSpPr>
+        <p:spPr/>
+        <p:txBody>
+          <a:bodyPr/>
+          <a:lstStyle/>
+          <a:p>
+            <a:r>
               <a:rPr lang="en-US" altLang="zh-CN" dirty="0"/>
               <a:t>Docker </a:t>
             </a:r>
             <a:r>
               <a:rPr lang="zh-CN" altLang="en-US" dirty="0"/>
-              <a:t>包括三个基本概念</a:t>
-            </a:r>
-          </a:p>
-        </p:txBody>
-      </p:sp>
-      <p:sp>
-        <p:nvSpPr>
-          <p:cNvPr id="3" name="内容占位符 2"/>
-          <p:cNvSpPr>
-            <a:spLocks noGrp="1"/>
-          </p:cNvSpPr>
-          <p:nvPr>
-            <p:ph idx="1"/>
-          </p:nvPr>
-        </p:nvSpPr>
-        <p:spPr/>
-        <p:txBody>
-          <a:bodyPr/>
-          <a:lstStyle/>
+              <a:t>镜像就是一个只读的模板。</a:t>
+            </a:r>
+          </a:p>
           <a:p>
             <a:r>
               <a:rPr lang="zh-CN" altLang="en-US" dirty="0"/>
-              <a:t>镜像（</a:t>
+              <a:t>例如：一个镜像可以包含一</a:t>
+            </a:r>
+            <a:r>
+              <a:rPr lang="zh-CN" altLang="en-US" dirty="0" smtClean="0"/>
+              <a:t>个 </a:t>
+            </a:r>
+            <a:r>
+              <a:rPr lang="en-US" altLang="zh-CN" dirty="0" err="1"/>
+              <a:t>ubuntu</a:t>
             </a:r>
             <a:r>
               <a:rPr lang="en-US" altLang="zh-CN" dirty="0"/>
-              <a:t>Image</a:t>
+              <a:t> </a:t>
             </a:r>
             <a:r>
               <a:rPr lang="zh-CN" altLang="en-US" dirty="0"/>
-              <a:t>） 容器（</a:t>
+              <a:t>操作系统</a:t>
+            </a:r>
+            <a:r>
+              <a:rPr lang="zh-CN" altLang="en-US" dirty="0" smtClean="0"/>
+              <a:t>环境（非完整），</a:t>
+            </a:r>
+            <a:r>
+              <a:rPr lang="zh-CN" altLang="en-US" dirty="0"/>
+              <a:t>里面仅安装了 </a:t>
             </a:r>
             <a:r>
               <a:rPr lang="en-US" altLang="zh-CN" dirty="0"/>
-              <a:t>Container</a:t>
+              <a:t>Apache </a:t>
             </a:r>
             <a:r>
               <a:rPr lang="zh-CN" altLang="en-US" dirty="0"/>
-              <a:t>） 仓库（</a:t>
-            </a:r>
-            <a:r>
-              <a:rPr lang="en-US" altLang="zh-CN" dirty="0"/>
-              <a:t>Repository</a:t>
-            </a:r>
+              <a:t>或用户需要的其它应用程序。</a:t>
+            </a:r>
+          </a:p>
+          <a:p>
             <a:r>
               <a:rPr lang="zh-CN" altLang="en-US" dirty="0"/>
-              <a:t>） 理解了这三个概念，就理解了 </a:t>
+              <a:t>镜像可以用来创建 </a:t>
             </a:r>
             <a:r>
               <a:rPr lang="en-US" altLang="zh-CN" dirty="0"/>
               <a:t>Docker </a:t>
             </a:r>
             <a:r>
+              <a:rPr lang="zh-CN" altLang="en-US" dirty="0" smtClean="0"/>
+              <a:t>容器，</a:t>
+            </a:r>
+            <a:r>
+              <a:rPr lang="en-US" altLang="zh-CN" dirty="0" err="1" smtClean="0"/>
+              <a:t>docker</a:t>
+            </a:r>
+            <a:r>
+              <a:rPr lang="en-US" altLang="zh-CN" dirty="0" smtClean="0"/>
+              <a:t> run</a:t>
+            </a:r>
+            <a:r>
+              <a:rPr lang="zh-CN" altLang="en-US" dirty="0" smtClean="0"/>
+              <a:t>。</a:t>
+            </a:r>
+            <a:endParaRPr lang="zh-CN" altLang="en-US" dirty="0"/>
+          </a:p>
+          <a:p>
+            <a:r>
+              <a:rPr lang="en-US" altLang="zh-CN" dirty="0"/>
+              <a:t>Docker </a:t>
+            </a:r>
+            <a:r>
               <a:rPr lang="zh-CN" altLang="en-US" dirty="0"/>
-              <a:t>的整个生命周期</a:t>
+              <a:t>提供了一个很简单的机制来创建镜像或者更新现有的镜像，用户甚至可以直接从其他人那里下载一个已经做好的镜像来直接</a:t>
+            </a:r>
+            <a:r>
+              <a:rPr lang="zh-CN" altLang="en-US" dirty="0" smtClean="0"/>
+              <a:t>使用，</a:t>
+            </a:r>
+            <a:r>
+              <a:rPr lang="en-US" altLang="zh-CN" dirty="0" err="1" smtClean="0"/>
+              <a:t>docker</a:t>
+            </a:r>
+            <a:r>
+              <a:rPr lang="en-US" altLang="zh-CN" dirty="0" smtClean="0"/>
+              <a:t> pull/push</a:t>
             </a:r>
             <a:r>
               <a:rPr lang="zh-CN" altLang="en-US" dirty="0" smtClean="0"/>
@@ -5708,6 +5747,34 @@
             <a:endParaRPr lang="en-US" altLang="zh-CN" dirty="0" smtClean="0"/>
           </a:p>
           <a:p>
+            <a:r>
+              <a:rPr lang="zh-CN" altLang="en-US" dirty="0" smtClean="0"/>
+              <a:t>可以自定义和构建镜像，</a:t>
+            </a:r>
+            <a:r>
+              <a:rPr lang="en-US" altLang="zh-CN" dirty="0"/>
+              <a:t> </a:t>
+            </a:r>
+            <a:r>
+              <a:rPr lang="en-US" altLang="zh-CN" dirty="0" err="1" smtClean="0"/>
+              <a:t>Dockerfile</a:t>
+            </a:r>
+            <a:r>
+              <a:rPr lang="zh-CN" altLang="en-US" dirty="0" smtClean="0"/>
+              <a:t>，</a:t>
+            </a:r>
+            <a:r>
+              <a:rPr lang="en-US" altLang="zh-CN" dirty="0" err="1" smtClean="0"/>
+              <a:t>docker</a:t>
+            </a:r>
+            <a:r>
+              <a:rPr lang="en-US" altLang="zh-CN" dirty="0" smtClean="0"/>
+              <a:t> build</a:t>
+            </a:r>
+            <a:r>
+              <a:rPr lang="zh-CN" altLang="en-US" dirty="0" smtClean="0"/>
+              <a:t>。</a:t>
+            </a:r>
             <a:endParaRPr lang="zh-CN" altLang="en-US" dirty="0"/>
           </a:p>
         </p:txBody>
@@ -5715,7 +5782,7 @@
     </p:spTree>
     <p:extLst>
       <p:ext uri="{BB962C8B-B14F-4D97-AF65-F5344CB8AC3E}">
-        <p14:creationId xmlns:p14="http://schemas.microsoft.com/office/powerpoint/2010/main" val="1405142530"/>
+        <p14:creationId xmlns:p14="http://schemas.microsoft.com/office/powerpoint/2010/main" val="2333912561"/>
       </p:ext>
     </p:extLst>
   </p:cSld>
@@ -5766,11 +5833,11 @@
           <a:p>
             <a:r>
               <a:rPr lang="zh-CN" altLang="en-US" dirty="0" smtClean="0"/>
-              <a:t>镜像 </a:t>
-            </a:r>
-            <a:r>
-              <a:rPr lang="en-US" altLang="zh-CN" dirty="0" smtClean="0"/>
-              <a:t>Image</a:t>
+              <a:t>容器 </a:t>
+            </a:r>
+            <a:r>
+              <a:rPr lang="en-US" altLang="zh-CN" dirty="0" smtClean="0"/>
+              <a:t>Container</a:t>
             </a:r>
             <a:endParaRPr lang="zh-CN" altLang="en-US" dirty="0"/>
           </a:p>
@@ -5797,142 +5864,83 @@
             </a:r>
             <a:r>
               <a:rPr lang="zh-CN" altLang="en-US" dirty="0"/>
-              <a:t>镜像就是一个只读的模板。</a:t>
-            </a:r>
+              <a:t>利用容器来运行</a:t>
+            </a:r>
+            <a:r>
+              <a:rPr lang="zh-CN" altLang="en-US" dirty="0" smtClean="0"/>
+              <a:t>应用。</a:t>
+            </a:r>
+            <a:endParaRPr lang="zh-CN" altLang="en-US" dirty="0"/>
           </a:p>
           <a:p>
             <a:r>
               <a:rPr lang="zh-CN" altLang="en-US" dirty="0"/>
-              <a:t>例如：一个镜像可以包含一</a:t>
-            </a:r>
-            <a:r>
-              <a:rPr lang="zh-CN" altLang="en-US" dirty="0" smtClean="0"/>
-              <a:t>个 </a:t>
+              <a:t>容器是从镜像创建的运行实例。它可以被启动、开始、停止、删除。每个容器都是相互隔离的、保证安全的</a:t>
+            </a:r>
+            <a:r>
+              <a:rPr lang="zh-CN" altLang="en-US" dirty="0" smtClean="0"/>
+              <a:t>平台</a:t>
+            </a:r>
+            <a:r>
+              <a:rPr lang="zh-CN" altLang="en-US" dirty="0"/>
+              <a:t>，</a:t>
             </a:r>
             <a:r>
               <a:rPr lang="en-US" altLang="zh-CN" dirty="0" err="1"/>
-              <a:t>ubuntu</a:t>
+              <a:t>docker</a:t>
             </a:r>
             <a:r>
               <a:rPr lang="en-US" altLang="zh-CN" dirty="0"/>
               <a:t> </a:t>
             </a:r>
             <a:r>
+              <a:rPr lang="en-US" altLang="zh-CN" dirty="0" err="1" smtClean="0"/>
+              <a:t>ps</a:t>
+            </a:r>
+            <a:r>
+              <a:rPr lang="en-US" altLang="zh-CN" dirty="0" smtClean="0"/>
+              <a:t>/start/stop/exec/inspect/remove</a:t>
+            </a:r>
+            <a:r>
+              <a:rPr lang="zh-CN" altLang="en-US" dirty="0" smtClean="0"/>
+              <a:t>。</a:t>
+            </a:r>
+            <a:endParaRPr lang="zh-CN" altLang="en-US" dirty="0"/>
+          </a:p>
+          <a:p>
+            <a:r>
               <a:rPr lang="zh-CN" altLang="en-US" dirty="0"/>
-              <a:t>操作系统</a:t>
-            </a:r>
-            <a:r>
-              <a:rPr lang="zh-CN" altLang="en-US" dirty="0" smtClean="0"/>
-              <a:t>环境（非完整），</a:t>
+              <a:t>可以把容器看做是一个简易版的 </a:t>
+            </a:r>
+            <a:r>
+              <a:rPr lang="en-US" altLang="zh-CN" dirty="0"/>
+              <a:t>Linux </a:t>
             </a:r>
             <a:r>
               <a:rPr lang="zh-CN" altLang="en-US" dirty="0"/>
-              <a:t>里面仅安装了 </a:t>
+              <a:t>环境（包括</a:t>
             </a:r>
             <a:r>
               <a:rPr lang="en-US" altLang="zh-CN" dirty="0"/>
-              <a:t>Apache </a:t>
+              <a:t>root</a:t>
             </a:r>
             <a:r>
               <a:rPr lang="zh-CN" altLang="en-US" dirty="0"/>
-              <a:t>或用户需要的其它应用程序。</a:t>
+              <a:t>用户权限、进程空间、用户空间和网络空间等）和运行在其中的应用程序。</a:t>
             </a:r>
           </a:p>
           <a:p>
             <a:r>
               <a:rPr lang="zh-CN" altLang="en-US" dirty="0"/>
-              <a:t>镜像可以用来创建 </a:t>
-            </a:r>
-            <a:r>
-              <a:rPr lang="en-US" altLang="zh-CN" dirty="0"/>
-              <a:t>Docker </a:t>
-            </a:r>
-            <a:r>
-              <a:rPr lang="zh-CN" altLang="en-US" dirty="0" smtClean="0"/>
-              <a:t>容器，</a:t>
-            </a:r>
-            <a:r>
-              <a:rPr lang="en-US" altLang="zh-CN" dirty="0" err="1" smtClean="0"/>
-              <a:t>docker</a:t>
-            </a:r>
-            <a:r>
-              <a:rPr lang="en-US" altLang="zh-CN" dirty="0" smtClean="0"/>
-              <a:t> run</a:t>
-            </a:r>
-            <a:r>
-              <a:rPr lang="zh-CN" altLang="en-US" dirty="0" smtClean="0"/>
-              <a:t>。</a:t>
-            </a:r>
-            <a:endParaRPr lang="zh-CN" altLang="en-US" dirty="0"/>
-          </a:p>
-          <a:p>
-            <a:r>
-              <a:rPr lang="en-US" altLang="zh-CN" dirty="0"/>
-              <a:t>Docker </a:t>
-            </a:r>
-            <a:r>
-              <a:rPr lang="zh-CN" altLang="en-US" dirty="0"/>
-              <a:t>提供了一个很简单的机制来创建镜像或者更新现有的镜像，用户甚至可以直接从其他人那里下载一个已经做好的镜像来直接</a:t>
-            </a:r>
-            <a:r>
-              <a:rPr lang="zh-CN" altLang="en-US" dirty="0" smtClean="0"/>
-              <a:t>使用，</a:t>
-            </a:r>
-            <a:r>
-              <a:rPr lang="en-US" altLang="zh-CN" dirty="0" err="1" smtClean="0"/>
-              <a:t>docker</a:t>
-            </a:r>
-            <a:r>
-              <a:rPr lang="en-US" altLang="zh-CN" dirty="0" smtClean="0"/>
-              <a:t> pull/push</a:t>
-            </a:r>
-            <a:r>
-              <a:rPr lang="zh-CN" altLang="en-US" dirty="0" smtClean="0"/>
-              <a:t>。</a:t>
-            </a:r>
-            <a:endParaRPr lang="en-US" altLang="zh-CN" dirty="0" smtClean="0"/>
-          </a:p>
-          <a:p>
-            <a:r>
-              <a:rPr lang="zh-CN" altLang="en-US" dirty="0" smtClean="0"/>
-              <a:t>可以自定义和构建</a:t>
-            </a:r>
-            <a:r>
-              <a:rPr lang="zh-CN" altLang="en-US" dirty="0" smtClean="0"/>
-              <a:t>镜像，</a:t>
-            </a:r>
-            <a:r>
-              <a:rPr lang="en-US" altLang="zh-CN" dirty="0"/>
-              <a:t> </a:t>
-            </a:r>
-            <a:r>
-              <a:rPr lang="en-US" altLang="zh-CN" dirty="0" err="1" smtClean="0"/>
-              <a:t>Dockerfile</a:t>
-            </a:r>
-            <a:r>
-              <a:rPr lang="zh-CN" altLang="en-US" dirty="0" smtClean="0"/>
-              <a:t>，</a:t>
-            </a:r>
-            <a:r>
-              <a:rPr lang="en-US" altLang="zh-CN" dirty="0" err="1" smtClean="0"/>
-              <a:t>docker</a:t>
-            </a:r>
-            <a:r>
-              <a:rPr lang="en-US" altLang="zh-CN" dirty="0" smtClean="0"/>
-              <a:t> build</a:t>
-            </a:r>
-            <a:r>
-              <a:rPr lang="zh-CN" altLang="en-US" dirty="0" smtClean="0"/>
-              <a:t>。</a:t>
-            </a:r>
-            <a:endParaRPr lang="zh-CN" altLang="en-US" dirty="0"/>
+              <a:t>*注：镜像是只读的，容器在启动的时候创建一层可写层作为最上层。</a:t>
+            </a:r>
           </a:p>
         </p:txBody>
       </p:sp>
     </p:spTree>
     <p:extLst>
       <p:ext uri="{BB962C8B-B14F-4D97-AF65-F5344CB8AC3E}">
-        <p14:creationId xmlns:p14="http://schemas.microsoft.com/office/powerpoint/2010/main" val="2333912561"/>
+        <p14:creationId xmlns:p14="http://schemas.microsoft.com/office/powerpoint/2010/main" val="885858538"/>
       </p:ext>
     </p:extLst>
   </p:cSld>
@@ -5982,14 +5990,13 @@
           <a:lstStyle/>
           <a:p>
             <a:r>
-              <a:rPr lang="zh-CN" altLang="en-US" dirty="0" smtClean="0"/>
-              <a:t>容器 </a:t>
-            </a:r>
-            <a:r>
-              <a:rPr lang="en-US" altLang="zh-CN" dirty="0" smtClean="0"/>
-              <a:t>Container</a:t>
-            </a:r>
-            <a:endParaRPr lang="zh-CN" altLang="en-US" dirty="0"/>
+              <a:rPr lang="en-US" altLang="zh-CN" dirty="0" smtClean="0"/>
+              <a:t>Docker</a:t>
+            </a:r>
+            <a:r>
+              <a:rPr lang="zh-CN" altLang="en-US" dirty="0"/>
+              <a:t>仓库</a:t>
+            </a:r>
           </a:p>
         </p:txBody>
       </p:sp>
@@ -6003,94 +6010,154 @@
             <p:ph idx="1"/>
           </p:nvPr>
         </p:nvSpPr>
-        <p:spPr/>
-        <p:txBody>
-          <a:bodyPr/>
-          <a:lstStyle/>
-          <a:p>
+        <p:spPr>
+          <a:xfrm>
+            <a:off x="295175" y="1501541"/>
+            <a:ext cx="11896825" cy="5356459"/>
+          </a:xfrm>
+        </p:spPr>
+        <p:txBody>
+          <a:bodyPr>
+            <a:normAutofit lnSpcReduction="10000"/>
+          </a:bodyPr>
+          <a:lstStyle/>
+          <a:p>
+            <a:r>
+              <a:rPr lang="zh-CN" altLang="en-US" dirty="0"/>
+              <a:t>仓库是集中存放镜像文件的场所。有时候会把仓库和仓库注册服务器（</a:t>
+            </a:r>
+            <a:r>
+              <a:rPr lang="en-US" altLang="zh-CN" dirty="0"/>
+              <a:t>Registry</a:t>
+            </a:r>
+            <a:r>
+              <a:rPr lang="zh-CN" altLang="en-US" dirty="0"/>
+              <a:t>）混为一谈，并不严格区分。实际上，仓库注册服务器上往往存放着多个仓库，每个仓库中又包含了多个镜像，每个镜像有不同的标签（</a:t>
+            </a:r>
+            <a:r>
+              <a:rPr lang="en-US" altLang="zh-CN" dirty="0"/>
+              <a:t>tag</a:t>
+            </a:r>
+            <a:r>
+              <a:rPr lang="zh-CN" altLang="en-US" dirty="0"/>
+              <a:t>）。</a:t>
+            </a:r>
+          </a:p>
+          <a:p>
+            <a:r>
+              <a:rPr lang="zh-CN" altLang="en-US" dirty="0"/>
+              <a:t>仓库分为公开仓库（</a:t>
+            </a:r>
+            <a:r>
+              <a:rPr lang="en-US" altLang="zh-CN" dirty="0"/>
+              <a:t>Public</a:t>
+            </a:r>
+            <a:r>
+              <a:rPr lang="zh-CN" altLang="en-US" dirty="0"/>
+              <a:t>）和私有仓库（</a:t>
+            </a:r>
+            <a:r>
+              <a:rPr lang="en-US" altLang="zh-CN" dirty="0"/>
+              <a:t>Private</a:t>
+            </a:r>
+            <a:r>
+              <a:rPr lang="zh-CN" altLang="en-US" dirty="0"/>
+              <a:t>）两种形式。</a:t>
+            </a:r>
+          </a:p>
+          <a:p>
+            <a:r>
+              <a:rPr lang="zh-CN" altLang="en-US" dirty="0"/>
+              <a:t>最大的公开仓库是 </a:t>
+            </a:r>
+            <a:r>
+              <a:rPr lang="en-US" altLang="zh-CN" dirty="0"/>
+              <a:t>Docker Hub</a:t>
+            </a:r>
+            <a:r>
+              <a:rPr lang="zh-CN" altLang="en-US" dirty="0"/>
+              <a:t>，存放了数量庞大的镜像供用户下载。 国内的公开仓库包括 </a:t>
+            </a:r>
+            <a:r>
+              <a:rPr lang="en-US" altLang="zh-CN" dirty="0"/>
+              <a:t>Docker Pool </a:t>
+            </a:r>
+            <a:r>
+              <a:rPr lang="zh-CN" altLang="en-US" dirty="0"/>
+              <a:t>等，可以提供大陆用户更稳定快速的访问。</a:t>
+            </a:r>
+          </a:p>
+          <a:p>
+            <a:r>
+              <a:rPr lang="zh-CN" altLang="en-US" dirty="0"/>
+              <a:t>当然，用户也可以在本地网络内创建一个私有仓库。</a:t>
+            </a:r>
+          </a:p>
+          <a:p>
+            <a:r>
+              <a:rPr lang="zh-CN" altLang="en-US" dirty="0"/>
+              <a:t>当用户创建了自己的镜像之后就可以使用 </a:t>
+            </a:r>
+            <a:r>
+              <a:rPr lang="en-US" altLang="zh-CN" dirty="0"/>
+              <a:t>push </a:t>
+            </a:r>
+            <a:r>
+              <a:rPr lang="zh-CN" altLang="en-US" dirty="0"/>
+              <a:t>命令将它上传到公有或者私有仓库，这样下次在另外一台机器上使用这个镜像时候，只需要从仓库上 </a:t>
+            </a:r>
+            <a:r>
+              <a:rPr lang="en-US" altLang="zh-CN" dirty="0"/>
+              <a:t>pull </a:t>
+            </a:r>
+            <a:r>
+              <a:rPr lang="zh-CN" altLang="en-US" dirty="0"/>
+              <a:t>下来就可以了。</a:t>
+            </a:r>
+          </a:p>
+          <a:p>
+            <a:r>
+              <a:rPr lang="zh-CN" altLang="en-US" dirty="0"/>
+              <a:t>*注：</a:t>
+            </a:r>
             <a:r>
               <a:rPr lang="en-US" altLang="zh-CN" dirty="0"/>
               <a:t>Docker </a:t>
             </a:r>
             <a:r>
               <a:rPr lang="zh-CN" altLang="en-US" dirty="0"/>
-              <a:t>利用容器来运行</a:t>
-            </a:r>
-            <a:r>
-              <a:rPr lang="zh-CN" altLang="en-US" dirty="0" smtClean="0"/>
-              <a:t>应用。</a:t>
-            </a:r>
-            <a:endParaRPr lang="zh-CN" altLang="en-US" dirty="0"/>
-          </a:p>
-          <a:p>
-            <a:r>
-              <a:rPr lang="zh-CN" altLang="en-US" dirty="0"/>
-              <a:t>容器是从镜像创建的运行实例。它可以被启动、开始、停止、删除。每个容器都是相互隔离的、保证安全的</a:t>
-            </a:r>
-            <a:r>
-              <a:rPr lang="zh-CN" altLang="en-US" dirty="0" smtClean="0"/>
-              <a:t>平台</a:t>
-            </a:r>
-            <a:r>
-              <a:rPr lang="zh-CN" altLang="en-US" dirty="0"/>
-              <a:t>，</a:t>
+              <a:t>仓库的概念跟 </a:t>
             </a:r>
             <a:r>
               <a:rPr lang="en-US" altLang="zh-CN" dirty="0" err="1"/>
-              <a:t>docker</a:t>
+              <a:t>Git</a:t>
             </a:r>
             <a:r>
               <a:rPr lang="en-US" altLang="zh-CN" dirty="0"/>
               <a:t> </a:t>
             </a:r>
             <a:r>
-              <a:rPr lang="en-US" altLang="zh-CN" dirty="0" err="1" smtClean="0"/>
-              <a:t>ps</a:t>
-            </a:r>
-            <a:r>
-              <a:rPr lang="en-US" altLang="zh-CN" dirty="0" smtClean="0"/>
-              <a:t>/start/stop/exec/inspect/remove</a:t>
-            </a:r>
-            <a:r>
-              <a:rPr lang="zh-CN" altLang="en-US" dirty="0" smtClean="0"/>
-              <a:t>。</a:t>
-            </a:r>
+              <a:rPr lang="zh-CN" altLang="en-US" dirty="0"/>
+              <a:t>类似，注册服务器可以理解为 </a:t>
+            </a:r>
+            <a:r>
+              <a:rPr lang="en-US" altLang="zh-CN" dirty="0"/>
+              <a:t>GitHub </a:t>
+            </a:r>
+            <a:r>
+              <a:rPr lang="zh-CN" altLang="en-US" dirty="0"/>
+              <a:t>这样的托管服务。</a:t>
+            </a:r>
+          </a:p>
+          <a:p>
             <a:endParaRPr lang="zh-CN" altLang="en-US" dirty="0"/>
-          </a:p>
-          <a:p>
-            <a:r>
-              <a:rPr lang="zh-CN" altLang="en-US" dirty="0"/>
-              <a:t>可以把容器看做是一个简易版的 </a:t>
-            </a:r>
-            <a:r>
-              <a:rPr lang="en-US" altLang="zh-CN" dirty="0"/>
-              <a:t>Linux </a:t>
-            </a:r>
-            <a:r>
-              <a:rPr lang="zh-CN" altLang="en-US" dirty="0"/>
-              <a:t>环境（包括</a:t>
-            </a:r>
-            <a:r>
-              <a:rPr lang="en-US" altLang="zh-CN" dirty="0"/>
-              <a:t>root</a:t>
-            </a:r>
-            <a:r>
-              <a:rPr lang="zh-CN" altLang="en-US" dirty="0"/>
-              <a:t>用户权限、进程空间、用户空间和网络空间等）和运行在其中的应用程序。</a:t>
-            </a:r>
-          </a:p>
-          <a:p>
-            <a:r>
-              <a:rPr lang="zh-CN" altLang="en-US" dirty="0"/>
-              <a:t>*注：镜像是只读的，容器在启动的时候创建一层可写层作为最上层。</a:t>
-            </a:r>
           </a:p>
         </p:txBody>
       </p:sp>
     </p:spTree>
     <p:extLst>
       <p:ext uri="{BB962C8B-B14F-4D97-AF65-F5344CB8AC3E}">
-        <p14:creationId xmlns:p14="http://schemas.microsoft.com/office/powerpoint/2010/main" val="885858538"/>
+        <p14:creationId xmlns:p14="http://schemas.microsoft.com/office/powerpoint/2010/main" val="3514438652"/>
       </p:ext>
     </p:extLst>
   </p:cSld>
@@ -6126,178 +6193,159 @@
       </p:grpSpPr>
       <p:sp>
         <p:nvSpPr>
-          <p:cNvPr id="2" name="标题 1"/>
-          <p:cNvSpPr>
-            <a:spLocks noGrp="1"/>
-          </p:cNvSpPr>
-          <p:nvPr>
-            <p:ph type="title"/>
-          </p:nvPr>
-        </p:nvSpPr>
-        <p:spPr/>
-        <p:txBody>
-          <a:bodyPr/>
-          <a:lstStyle/>
-          <a:p>
-            <a:r>
-              <a:rPr lang="en-US" altLang="zh-CN" dirty="0" smtClean="0"/>
-              <a:t>Docker</a:t>
-            </a:r>
-            <a:r>
-              <a:rPr lang="zh-CN" altLang="en-US" dirty="0"/>
-              <a:t>仓库</a:t>
-            </a:r>
-          </a:p>
-        </p:txBody>
-      </p:sp>
-      <p:sp>
-        <p:nvSpPr>
-          <p:cNvPr id="3" name="内容占位符 2"/>
-          <p:cNvSpPr>
-            <a:spLocks noGrp="1"/>
-          </p:cNvSpPr>
-          <p:nvPr>
-            <p:ph idx="1"/>
-          </p:nvPr>
+          <p:cNvPr id="2" name="圆角矩形 1"/>
+          <p:cNvSpPr/>
+          <p:nvPr/>
         </p:nvSpPr>
         <p:spPr>
           <a:xfrm>
-            <a:off x="295175" y="1501541"/>
-            <a:ext cx="11896825" cy="5356459"/>
+            <a:off x="4052236" y="3628711"/>
+            <a:ext cx="3965608" cy="577516"/>
+          </a:xfrm>
+          <a:prstGeom prst="roundRect">
+            <a:avLst/>
+          </a:prstGeom>
+          <a:solidFill>
+            <a:schemeClr val="bg2">
+              <a:lumMod val="90000"/>
+            </a:schemeClr>
+          </a:solidFill>
+        </p:spPr>
+        <p:style>
+          <a:lnRef idx="2">
+            <a:schemeClr val="accent1">
+              <a:shade val="50000"/>
+            </a:schemeClr>
+          </a:lnRef>
+          <a:fillRef idx="1">
+            <a:schemeClr val="accent1"/>
+          </a:fillRef>
+          <a:effectRef idx="0">
+            <a:schemeClr val="accent1"/>
+          </a:effectRef>
+          <a:fontRef idx="minor">
+            <a:schemeClr val="lt1"/>
+          </a:fontRef>
+        </p:style>
+        <p:txBody>
+          <a:bodyPr rtlCol="0" anchor="ctr"/>
+          <a:lstStyle/>
+          <a:p>
+            <a:pPr algn="ctr"/>
+            <a:endParaRPr lang="zh-CN" altLang="en-US"/>
+          </a:p>
+        </p:txBody>
+      </p:sp>
+      <p:sp>
+        <p:nvSpPr>
+          <p:cNvPr id="3" name="内容占位符 2"/>
+          <p:cNvSpPr>
+            <a:spLocks noGrp="1"/>
+          </p:cNvSpPr>
+          <p:nvPr>
+            <p:ph idx="1"/>
+          </p:nvPr>
+        </p:nvSpPr>
+        <p:spPr>
+          <a:xfrm>
+            <a:off x="4255169" y="1174282"/>
+            <a:ext cx="7150768" cy="5351647"/>
           </a:xfrm>
         </p:spPr>
         <p:txBody>
-          <a:bodyPr>
-            <a:normAutofit lnSpcReduction="10000"/>
-          </a:bodyPr>
-          <a:lstStyle/>
-          <a:p>
+          <a:bodyPr/>
+          <a:lstStyle/>
+          <a:p>
+            <a:r>
+              <a:rPr lang="zh-CN" altLang="en-US" dirty="0" smtClean="0"/>
+              <a:t>容器</a:t>
+            </a:r>
             <a:r>
               <a:rPr lang="zh-CN" altLang="en-US" dirty="0"/>
-              <a:t>仓库是集中存放镜像文件的场所。有时候会把仓库和仓库注册服务器（</a:t>
-            </a:r>
-            <a:r>
-              <a:rPr lang="en-US" altLang="zh-CN" dirty="0"/>
-              <a:t>Registry</a:t>
-            </a:r>
-            <a:r>
-              <a:rPr lang="zh-CN" altLang="en-US" dirty="0"/>
-              <a:t>）混为一谈，并不严格区分。实际上，仓库注册服务器上往往存放着多个仓库，每个仓库中又包含了多个镜像，每个镜像有不同的标签（</a:t>
-            </a:r>
-            <a:r>
-              <a:rPr lang="en-US" altLang="zh-CN" dirty="0"/>
-              <a:t>tag</a:t>
-            </a:r>
-            <a:r>
-              <a:rPr lang="zh-CN" altLang="en-US" dirty="0"/>
-              <a:t>）。</a:t>
-            </a:r>
-          </a:p>
-          <a:p>
-            <a:r>
-              <a:rPr lang="zh-CN" altLang="en-US" dirty="0"/>
-              <a:t>仓库分为公开仓库（</a:t>
-            </a:r>
-            <a:r>
-              <a:rPr lang="en-US" altLang="zh-CN" dirty="0"/>
-              <a:t>Public</a:t>
-            </a:r>
-            <a:r>
-              <a:rPr lang="zh-CN" altLang="en-US" dirty="0"/>
-              <a:t>）和私有仓库（</a:t>
-            </a:r>
-            <a:r>
-              <a:rPr lang="en-US" altLang="zh-CN" dirty="0"/>
-              <a:t>Private</a:t>
-            </a:r>
-            <a:r>
-              <a:rPr lang="zh-CN" altLang="en-US" dirty="0"/>
-              <a:t>）两种形式。</a:t>
-            </a:r>
-          </a:p>
-          <a:p>
-            <a:r>
-              <a:rPr lang="zh-CN" altLang="en-US" dirty="0"/>
-              <a:t>最大的公开仓库是 </a:t>
-            </a:r>
-            <a:r>
-              <a:rPr lang="en-US" altLang="zh-CN" dirty="0"/>
-              <a:t>Docker Hub</a:t>
-            </a:r>
-            <a:r>
-              <a:rPr lang="zh-CN" altLang="en-US" dirty="0"/>
-              <a:t>，存放了数量庞大的镜像供用户下载。 国内的公开仓库包括 </a:t>
-            </a:r>
-            <a:r>
-              <a:rPr lang="en-US" altLang="zh-CN" dirty="0"/>
-              <a:t>Docker Pool </a:t>
-            </a:r>
-            <a:r>
-              <a:rPr lang="zh-CN" altLang="en-US" dirty="0"/>
-              <a:t>等，可以提供大陆用户更稳定快速的访问。</a:t>
-            </a:r>
-          </a:p>
-          <a:p>
-            <a:r>
-              <a:rPr lang="zh-CN" altLang="en-US" dirty="0"/>
-              <a:t>当然，用户也可以在本地网络内创建一个私有仓库。</a:t>
-            </a:r>
-          </a:p>
-          <a:p>
-            <a:r>
-              <a:rPr lang="zh-CN" altLang="en-US" dirty="0"/>
-              <a:t>当用户创建了自己的镜像之后就可以使用 </a:t>
-            </a:r>
-            <a:r>
-              <a:rPr lang="en-US" altLang="zh-CN" dirty="0"/>
-              <a:t>push </a:t>
-            </a:r>
-            <a:r>
-              <a:rPr lang="zh-CN" altLang="en-US" dirty="0"/>
-              <a:t>命令将它上传到公有或者私有仓库，这样下次在另外一台机器上使用这个镜像时候，只需要从仓库上 </a:t>
-            </a:r>
-            <a:r>
-              <a:rPr lang="en-US" altLang="zh-CN" dirty="0"/>
-              <a:t>pull </a:t>
-            </a:r>
-            <a:r>
-              <a:rPr lang="zh-CN" altLang="en-US" dirty="0"/>
-              <a:t>下来就可以了。</a:t>
-            </a:r>
-          </a:p>
-          <a:p>
-            <a:r>
-              <a:rPr lang="zh-CN" altLang="en-US" dirty="0"/>
-              <a:t>*注：</a:t>
-            </a:r>
-            <a:r>
-              <a:rPr lang="en-US" altLang="zh-CN" dirty="0"/>
+              <a:t>化</a:t>
+            </a:r>
+            <a:r>
+              <a:rPr lang="zh-CN" altLang="en-US" dirty="0" smtClean="0"/>
+              <a:t>技术发展进程</a:t>
+            </a:r>
+            <a:endParaRPr lang="en-US" altLang="zh-CN" dirty="0" smtClean="0"/>
+          </a:p>
+          <a:p>
+            <a:r>
+              <a:rPr lang="en-US" altLang="zh-CN" dirty="0" smtClean="0"/>
               <a:t>Docker </a:t>
             </a:r>
             <a:r>
-              <a:rPr lang="zh-CN" altLang="en-US" dirty="0"/>
-              <a:t>仓库的概念跟 </a:t>
-            </a:r>
-            <a:r>
-              <a:rPr lang="en-US" altLang="zh-CN" dirty="0" err="1"/>
-              <a:t>Git</a:t>
-            </a:r>
-            <a:r>
-              <a:rPr lang="en-US" altLang="zh-CN" dirty="0"/>
-              <a:t> </a:t>
-            </a:r>
-            <a:r>
-              <a:rPr lang="zh-CN" altLang="en-US" dirty="0"/>
-              <a:t>类似，注册服务器可以理解为 </a:t>
-            </a:r>
-            <a:r>
-              <a:rPr lang="en-US" altLang="zh-CN" dirty="0"/>
-              <a:t>GitHub </a:t>
-            </a:r>
-            <a:r>
-              <a:rPr lang="zh-CN" altLang="en-US" dirty="0"/>
-              <a:t>这样的托管服务。</a:t>
-            </a:r>
+              <a:rPr lang="zh-CN" altLang="en-US" dirty="0" smtClean="0"/>
+              <a:t>是什么</a:t>
+            </a:r>
+            <a:endParaRPr lang="en-US" altLang="zh-CN" dirty="0" smtClean="0"/>
+          </a:p>
+          <a:p>
+            <a:r>
+              <a:rPr lang="en-US" altLang="zh-CN" dirty="0" smtClean="0"/>
+              <a:t>Docker </a:t>
+            </a:r>
+            <a:r>
+              <a:rPr lang="zh-CN" altLang="en-US" dirty="0" smtClean="0"/>
+              <a:t>的好处</a:t>
+            </a:r>
+            <a:endParaRPr lang="en-US" altLang="zh-CN" dirty="0" smtClean="0"/>
+          </a:p>
+          <a:p>
+            <a:r>
+              <a:rPr lang="en-US" altLang="zh-CN" dirty="0" smtClean="0"/>
+              <a:t>Docker </a:t>
+            </a:r>
+            <a:r>
+              <a:rPr lang="zh-CN" altLang="en-US" dirty="0" smtClean="0"/>
+              <a:t>适用场景</a:t>
+            </a:r>
+            <a:endParaRPr lang="en-US" altLang="zh-CN" dirty="0" smtClean="0"/>
+          </a:p>
+          <a:p>
+            <a:r>
+              <a:rPr lang="en-US" altLang="zh-CN" dirty="0" smtClean="0"/>
+              <a:t>Docker </a:t>
+            </a:r>
+            <a:r>
+              <a:rPr lang="zh-CN" altLang="en-US" dirty="0" smtClean="0"/>
+              <a:t>重要技术概念</a:t>
+            </a:r>
+            <a:endParaRPr lang="en-US" altLang="zh-CN" dirty="0"/>
+          </a:p>
+          <a:p>
+            <a:r>
+              <a:rPr lang="en-US" altLang="zh-CN" dirty="0" smtClean="0"/>
+              <a:t>Docker </a:t>
+            </a:r>
+            <a:r>
+              <a:rPr lang="zh-CN" altLang="en-US" dirty="0" smtClean="0"/>
+              <a:t>开发部署流程</a:t>
+            </a:r>
+            <a:endParaRPr lang="en-US" altLang="zh-CN" dirty="0" smtClean="0"/>
+          </a:p>
+          <a:p>
+            <a:r>
+              <a:rPr lang="en-US" altLang="zh-CN" dirty="0" smtClean="0"/>
+              <a:t>Docker </a:t>
+            </a:r>
+            <a:r>
+              <a:rPr lang="zh-CN" altLang="en-US" dirty="0" smtClean="0"/>
+              <a:t>集群化和编排</a:t>
+            </a:r>
+            <a:endParaRPr lang="en-US" altLang="zh-CN" dirty="0" smtClean="0"/>
+          </a:p>
+          <a:p>
+            <a:r>
+              <a:rPr lang="en-US" altLang="zh-CN" dirty="0" smtClean="0"/>
+              <a:t>Docker </a:t>
+            </a:r>
+            <a:r>
+              <a:rPr lang="zh-CN" altLang="en-US" dirty="0" smtClean="0"/>
+              <a:t>参考资料</a:t>
+            </a:r>
+            <a:endParaRPr lang="en-US" altLang="zh-CN" dirty="0" smtClean="0"/>
           </a:p>
           <a:p>
             <a:endParaRPr lang="zh-CN" altLang="en-US" dirty="0"/>
@@ -6307,7 +6355,7 @@
     </p:spTree>
     <p:extLst>
       <p:ext uri="{BB962C8B-B14F-4D97-AF65-F5344CB8AC3E}">
-        <p14:creationId xmlns:p14="http://schemas.microsoft.com/office/powerpoint/2010/main" val="3514438652"/>
+        <p14:creationId xmlns:p14="http://schemas.microsoft.com/office/powerpoint/2010/main" val="946645492"/>
       </p:ext>
     </p:extLst>
   </p:cSld>
@@ -6343,45 +6391,19 @@
       </p:grpSpPr>
       <p:sp>
         <p:nvSpPr>
-          <p:cNvPr id="2" name="圆角矩形 1"/>
-          <p:cNvSpPr/>
-          <p:nvPr/>
-        </p:nvSpPr>
-        <p:spPr>
-          <a:xfrm>
-            <a:off x="4052236" y="3628711"/>
-            <a:ext cx="3965608" cy="577516"/>
-          </a:xfrm>
-          <a:prstGeom prst="roundRect">
-            <a:avLst/>
-          </a:prstGeom>
-          <a:solidFill>
-            <a:schemeClr val="bg2">
-              <a:lumMod val="90000"/>
-            </a:schemeClr>
-          </a:solidFill>
-        </p:spPr>
-        <p:style>
-          <a:lnRef idx="2">
-            <a:schemeClr val="accent1">
-              <a:shade val="50000"/>
-            </a:schemeClr>
-          </a:lnRef>
-          <a:fillRef idx="1">
-            <a:schemeClr val="accent1"/>
-          </a:fillRef>
-          <a:effectRef idx="0">
-            <a:schemeClr val="accent1"/>
-          </a:effectRef>
-          <a:fontRef idx="minor">
-            <a:schemeClr val="lt1"/>
-          </a:fontRef>
-        </p:style>
-        <p:txBody>
-          <a:bodyPr rtlCol="0" anchor="ctr"/>
-          <a:lstStyle/>
-          <a:p>
-            <a:pPr algn="ctr"/>
+          <p:cNvPr id="2" name="标题 1"/>
+          <p:cNvSpPr>
+            <a:spLocks noGrp="1"/>
+          </p:cNvSpPr>
+          <p:nvPr>
+            <p:ph type="title"/>
+          </p:nvPr>
+        </p:nvSpPr>
+        <p:spPr/>
+        <p:txBody>
+          <a:bodyPr/>
+          <a:lstStyle/>
+          <a:p>
             <a:endParaRPr lang="zh-CN" altLang="en-US"/>
           </a:p>
         </p:txBody>
@@ -6396,108 +6418,141 @@
             <p:ph idx="1"/>
           </p:nvPr>
         </p:nvSpPr>
-        <p:spPr>
-          <a:xfrm>
-            <a:off x="4255169" y="1174282"/>
-            <a:ext cx="7150768" cy="5351647"/>
-          </a:xfrm>
-        </p:spPr>
-        <p:txBody>
-          <a:bodyPr/>
-          <a:lstStyle/>
-          <a:p>
-            <a:r>
-              <a:rPr lang="zh-CN" altLang="en-US" dirty="0" smtClean="0"/>
-              <a:t>容器</a:t>
+        <p:spPr/>
+        <p:txBody>
+          <a:bodyPr>
+            <a:normAutofit fontScale="92500" lnSpcReduction="10000"/>
+          </a:bodyPr>
+          <a:lstStyle/>
+          <a:p>
+            <a:r>
+              <a:rPr lang="en-US" altLang="zh-CN" dirty="0"/>
+              <a:t>Docker</a:t>
             </a:r>
             <a:r>
               <a:rPr lang="zh-CN" altLang="en-US" dirty="0"/>
-              <a:t>化</a:t>
-            </a:r>
-            <a:r>
-              <a:rPr lang="zh-CN" altLang="en-US" dirty="0" smtClean="0"/>
-              <a:t>技术发展进程</a:t>
-            </a:r>
-            <a:endParaRPr lang="en-US" altLang="zh-CN" dirty="0" smtClean="0"/>
-          </a:p>
-          <a:p>
-            <a:r>
-              <a:rPr lang="en-US" altLang="zh-CN" dirty="0" smtClean="0"/>
-              <a:t>Docker </a:t>
-            </a:r>
-            <a:r>
-              <a:rPr lang="zh-CN" altLang="en-US" dirty="0" smtClean="0"/>
-              <a:t>是什么</a:t>
-            </a:r>
-            <a:endParaRPr lang="en-US" altLang="zh-CN" dirty="0" smtClean="0"/>
-          </a:p>
-          <a:p>
-            <a:r>
-              <a:rPr lang="en-US" altLang="zh-CN" dirty="0" smtClean="0"/>
-              <a:t>Docker </a:t>
-            </a:r>
-            <a:r>
-              <a:rPr lang="zh-CN" altLang="en-US" dirty="0" smtClean="0"/>
-              <a:t>的好与坏</a:t>
-            </a:r>
-            <a:endParaRPr lang="en-US" altLang="zh-CN" dirty="0" smtClean="0"/>
-          </a:p>
-          <a:p>
-            <a:r>
-              <a:rPr lang="en-US" altLang="zh-CN" dirty="0" smtClean="0"/>
-              <a:t>Docker </a:t>
-            </a:r>
-            <a:r>
-              <a:rPr lang="zh-CN" altLang="en-US" dirty="0" smtClean="0"/>
-              <a:t>适用场景</a:t>
-            </a:r>
-            <a:endParaRPr lang="en-US" altLang="zh-CN" dirty="0" smtClean="0"/>
-          </a:p>
-          <a:p>
-            <a:r>
-              <a:rPr lang="en-US" altLang="zh-CN" dirty="0" smtClean="0"/>
-              <a:t>Docker </a:t>
-            </a:r>
-            <a:r>
-              <a:rPr lang="zh-CN" altLang="en-US" dirty="0" smtClean="0"/>
-              <a:t>重要技术概念</a:t>
-            </a:r>
+              <a:t>的主要目标是“</a:t>
+            </a:r>
+            <a:r>
+              <a:rPr lang="en-US" altLang="zh-CN" dirty="0"/>
+              <a:t>Build, Ship and Run Any App, Anywhere”</a:t>
+            </a:r>
+            <a:r>
+              <a:rPr lang="zh-CN" altLang="en-US" dirty="0"/>
+              <a:t>，即通过对应用组件的封装（</a:t>
+            </a:r>
+            <a:r>
+              <a:rPr lang="en-US" altLang="zh-CN" dirty="0"/>
+              <a:t>Packaging</a:t>
+            </a:r>
+            <a:r>
+              <a:rPr lang="zh-CN" altLang="en-US" dirty="0"/>
+              <a:t>）、分发（</a:t>
+            </a:r>
+            <a:r>
+              <a:rPr lang="en-US" altLang="zh-CN" dirty="0"/>
+              <a:t>Distribution</a:t>
+            </a:r>
+            <a:r>
+              <a:rPr lang="zh-CN" altLang="en-US" dirty="0"/>
+              <a:t>）、部署（</a:t>
+            </a:r>
+            <a:r>
+              <a:rPr lang="en-US" altLang="zh-CN" dirty="0"/>
+              <a:t>Deployment</a:t>
+            </a:r>
+            <a:r>
+              <a:rPr lang="zh-CN" altLang="en-US" dirty="0"/>
+              <a:t>）、运行（</a:t>
+            </a:r>
+            <a:r>
+              <a:rPr lang="en-US" altLang="zh-CN" dirty="0"/>
+              <a:t>Runtime</a:t>
+            </a:r>
+            <a:r>
+              <a:rPr lang="zh-CN" altLang="en-US" dirty="0"/>
+              <a:t>）等生命周期的管理，达到应用组件级别的“一次封装，到处运行”。这里的应用组件，既可以是一个</a:t>
+            </a:r>
+            <a:r>
+              <a:rPr lang="en-US" altLang="zh-CN" dirty="0"/>
+              <a:t>Web</a:t>
+            </a:r>
+            <a:r>
+              <a:rPr lang="zh-CN" altLang="en-US" dirty="0"/>
+              <a:t>应用，也可以是一套数据库服务，甚至是一个操作系统或编译器</a:t>
+            </a:r>
+            <a:r>
+              <a:rPr lang="zh-CN" altLang="en-US" dirty="0" smtClean="0"/>
+              <a:t>。</a:t>
+            </a:r>
+            <a:endParaRPr lang="en-US" altLang="zh-CN" dirty="0" smtClean="0"/>
+          </a:p>
+          <a:p>
             <a:endParaRPr lang="en-US" altLang="zh-CN" dirty="0"/>
           </a:p>
           <a:p>
             <a:r>
-              <a:rPr lang="en-US" altLang="zh-CN" dirty="0" smtClean="0"/>
-              <a:t>Docker </a:t>
-            </a:r>
-            <a:r>
-              <a:rPr lang="zh-CN" altLang="en-US" dirty="0" smtClean="0"/>
-              <a:t>开发部署流程</a:t>
-            </a:r>
-            <a:endParaRPr lang="en-US" altLang="zh-CN" dirty="0" smtClean="0"/>
-          </a:p>
-          <a:p>
-            <a:r>
-              <a:rPr lang="en-US" altLang="zh-CN" dirty="0" smtClean="0"/>
-              <a:t>Docker </a:t>
-            </a:r>
-            <a:r>
-              <a:rPr lang="zh-CN" altLang="en-US" dirty="0" smtClean="0"/>
-              <a:t>集群化和编排</a:t>
-            </a:r>
-            <a:endParaRPr lang="en-US" altLang="zh-CN" dirty="0" smtClean="0"/>
-          </a:p>
-          <a:p>
-            <a:r>
-              <a:rPr lang="en-US" altLang="zh-CN" dirty="0" smtClean="0"/>
-              <a:t>Docker </a:t>
-            </a:r>
-            <a:r>
-              <a:rPr lang="zh-CN" altLang="en-US" dirty="0" smtClean="0"/>
-              <a:t>参考资料</a:t>
-            </a:r>
-            <a:endParaRPr lang="en-US" altLang="zh-CN" dirty="0" smtClean="0"/>
-          </a:p>
-          <a:p>
+              <a:rPr lang="en-US" altLang="zh-CN" dirty="0"/>
+              <a:t>Docker</a:t>
+            </a:r>
+            <a:r>
+              <a:rPr lang="zh-CN" altLang="en-US" dirty="0"/>
+              <a:t>的优点在于可以简化</a:t>
+            </a:r>
+            <a:r>
+              <a:rPr lang="en-US" altLang="zh-CN" dirty="0"/>
+              <a:t>CI(</a:t>
+            </a:r>
+            <a:r>
+              <a:rPr lang="zh-CN" altLang="en-US" dirty="0"/>
+              <a:t>持续集成</a:t>
+            </a:r>
+            <a:r>
+              <a:rPr lang="en-US" altLang="zh-CN" dirty="0"/>
+              <a:t>)</a:t>
+            </a:r>
+            <a:r>
+              <a:rPr lang="zh-CN" altLang="en-US" dirty="0"/>
+              <a:t>和</a:t>
+            </a:r>
+            <a:r>
+              <a:rPr lang="en-US" altLang="zh-CN" dirty="0"/>
+              <a:t>CD(</a:t>
+            </a:r>
+            <a:r>
+              <a:rPr lang="zh-CN" altLang="en-US" dirty="0"/>
+              <a:t>持续交付</a:t>
+            </a:r>
+            <a:r>
+              <a:rPr lang="en-US" altLang="zh-CN" dirty="0"/>
+              <a:t>)</a:t>
+            </a:r>
+            <a:r>
+              <a:rPr lang="zh-CN" altLang="en-US" dirty="0"/>
+              <a:t>的构建流程，让开发者集中精力在应用开发上，开发同时负责运维工作和测并行工作，由开发驱动并负责整个开、测试、发布和运维的一体化工作</a:t>
+            </a:r>
+            <a:r>
+              <a:rPr lang="zh-CN" altLang="en-US" dirty="0" smtClean="0"/>
+              <a:t>。</a:t>
+            </a:r>
+            <a:endParaRPr lang="en-US" altLang="zh-CN" dirty="0" smtClean="0"/>
+          </a:p>
+          <a:p>
+            <a:endParaRPr lang="en-US" altLang="zh-CN" dirty="0"/>
+          </a:p>
+          <a:p>
+            <a:r>
+              <a:rPr lang="zh-CN" altLang="en-US" dirty="0" smtClean="0"/>
+              <a:t>配合 </a:t>
+            </a:r>
+            <a:r>
+              <a:rPr lang="en-US" altLang="zh-CN" dirty="0" smtClean="0"/>
+              <a:t>Jenkins </a:t>
+            </a:r>
+            <a:r>
+              <a:rPr lang="zh-CN" altLang="en-US" dirty="0" smtClean="0"/>
+              <a:t>等持续集成工具</a:t>
+            </a:r>
             <a:endParaRPr lang="zh-CN" altLang="en-US" dirty="0"/>
           </a:p>
         </p:txBody>
@@ -6505,7 +6560,7 @@
     </p:spTree>
     <p:extLst>
       <p:ext uri="{BB962C8B-B14F-4D97-AF65-F5344CB8AC3E}">
-        <p14:creationId xmlns:p14="http://schemas.microsoft.com/office/powerpoint/2010/main" val="946645492"/>
+        <p14:creationId xmlns:p14="http://schemas.microsoft.com/office/powerpoint/2010/main" val="1480117759"/>
       </p:ext>
     </p:extLst>
   </p:cSld>
@@ -6554,7 +6609,23 @@
           <a:bodyPr/>
           <a:lstStyle/>
           <a:p>
-            <a:endParaRPr lang="zh-CN" altLang="en-US"/>
+            <a:r>
+              <a:rPr lang="en-US" altLang="zh-CN" dirty="0" smtClean="0"/>
+              <a:t>Docker </a:t>
+            </a:r>
+            <a:r>
+              <a:rPr lang="zh-CN" altLang="en-US" dirty="0" smtClean="0"/>
+              <a:t>实践</a:t>
+            </a:r>
+            <a:r>
+              <a:rPr lang="en-US" altLang="zh-CN" dirty="0" smtClean="0"/>
+              <a:t>—</a:t>
+            </a:r>
+            <a:r>
+              <a:rPr lang="zh-CN" altLang="en-US" dirty="0" smtClean="0"/>
+              <a:t>开发</a:t>
+            </a:r>
+            <a:endParaRPr lang="zh-CN" altLang="en-US" dirty="0"/>
           </a:p>
         </p:txBody>
       </p:sp>
@@ -6571,138 +6642,152 @@
         <p:spPr/>
         <p:txBody>
           <a:bodyPr>
-            <a:normAutofit fontScale="92500" lnSpcReduction="10000"/>
+            <a:normAutofit/>
           </a:bodyPr>
           <a:lstStyle/>
           <a:p>
             <a:r>
-              <a:rPr lang="en-US" altLang="zh-CN" dirty="0"/>
-              <a:t>Docker</a:t>
-            </a:r>
-            <a:r>
               <a:rPr lang="zh-CN" altLang="en-US" dirty="0"/>
-              <a:t>的主要目标是“</a:t>
-            </a:r>
-            <a:r>
-              <a:rPr lang="en-US" altLang="zh-CN" dirty="0"/>
-              <a:t>Build, Ship and Run Any App, Anywhere”</a:t>
+              <a:t>接到项目，首先我们要分析项目的特性，确立项目的难度、开发周期、开发成本和项目风险，</a:t>
+            </a:r>
+            <a:r>
+              <a:rPr lang="zh-CN" altLang="en-US" dirty="0" smtClean="0"/>
+              <a:t>然后设计</a:t>
             </a:r>
             <a:r>
               <a:rPr lang="zh-CN" altLang="en-US" dirty="0"/>
-              <a:t>，即通过对应用组件的封装（</a:t>
-            </a:r>
-            <a:r>
-              <a:rPr lang="en-US" altLang="zh-CN" dirty="0"/>
-              <a:t>Packaging</a:t>
+              <a:t>基镜像和应用镜像</a:t>
+            </a:r>
+            <a:r>
+              <a:rPr lang="zh-CN" altLang="en-US" dirty="0" smtClean="0"/>
+              <a:t>，分发</a:t>
             </a:r>
             <a:r>
               <a:rPr lang="zh-CN" altLang="en-US" dirty="0"/>
-              <a:t>）、分发（</a:t>
-            </a:r>
-            <a:r>
-              <a:rPr lang="en-US" altLang="zh-CN" dirty="0"/>
-              <a:t>Distribution</a:t>
+              <a:t>基础镜像和应用镜像给开发成员</a:t>
+            </a:r>
+            <a:r>
+              <a:rPr lang="zh-CN" altLang="en-US" dirty="0" smtClean="0"/>
+              <a:t>。</a:t>
+            </a:r>
+            <a:endParaRPr lang="en-US" altLang="zh-CN" dirty="0" smtClean="0"/>
+          </a:p>
+          <a:p>
+            <a:r>
+              <a:rPr lang="en-US" altLang="zh-CN" dirty="0" smtClean="0"/>
+              <a:t>1</a:t>
+            </a:r>
+            <a:r>
+              <a:rPr lang="zh-CN" altLang="en-US" dirty="0" smtClean="0"/>
+              <a:t>、拉</a:t>
             </a:r>
             <a:r>
               <a:rPr lang="zh-CN" altLang="en-US" dirty="0"/>
-              <a:t>）、部署（</a:t>
-            </a:r>
-            <a:r>
-              <a:rPr lang="en-US" altLang="zh-CN" dirty="0"/>
-              <a:t>Deployment</a:t>
+              <a:t>取基础</a:t>
+            </a:r>
+            <a:r>
+              <a:rPr lang="zh-CN" altLang="en-US" dirty="0" smtClean="0"/>
+              <a:t>镜像</a:t>
+            </a:r>
+            <a:endParaRPr lang="en-US" altLang="zh-CN" dirty="0" smtClean="0"/>
+          </a:p>
+          <a:p>
+            <a:r>
+              <a:rPr lang="en-US" altLang="zh-CN" dirty="0" smtClean="0"/>
+              <a:t>2</a:t>
+            </a:r>
+            <a:r>
+              <a:rPr lang="zh-CN" altLang="en-US" dirty="0" smtClean="0"/>
+              <a:t>、</a:t>
             </a:r>
             <a:r>
               <a:rPr lang="zh-CN" altLang="en-US" dirty="0"/>
-              <a:t>）、运行（</a:t>
-            </a:r>
-            <a:r>
-              <a:rPr lang="en-US" altLang="zh-CN" dirty="0"/>
-              <a:t>Runtime</a:t>
+              <a:t>重建基础</a:t>
+            </a:r>
+            <a:r>
+              <a:rPr lang="zh-CN" altLang="en-US" dirty="0" smtClean="0"/>
+              <a:t>镜像，推上私有仓库</a:t>
+            </a:r>
+            <a:endParaRPr lang="zh-CN" altLang="en-US" dirty="0"/>
+          </a:p>
+          <a:p>
+            <a:r>
+              <a:rPr lang="en-US" altLang="zh-CN" dirty="0" smtClean="0"/>
+              <a:t>3</a:t>
+            </a:r>
+            <a:r>
+              <a:rPr lang="zh-CN" altLang="en-US" dirty="0" smtClean="0"/>
+              <a:t>、</a:t>
             </a:r>
             <a:r>
               <a:rPr lang="zh-CN" altLang="en-US" dirty="0"/>
-              <a:t>）等生命周期的管理，达到应用组件级别的“一次封装，到处运行”。这里的应用组件，既可以是一个</a:t>
-            </a:r>
-            <a:r>
-              <a:rPr lang="en-US" altLang="zh-CN" dirty="0"/>
-              <a:t>Web</a:t>
+              <a:t>准备代码</a:t>
+            </a:r>
+            <a:r>
+              <a:rPr lang="zh-CN" altLang="en-US" dirty="0" smtClean="0"/>
+              <a:t>仓库 </a:t>
+            </a:r>
+            <a:r>
+              <a:rPr lang="en-US" altLang="zh-CN" dirty="0" smtClean="0"/>
+              <a:t>SVN/GIT</a:t>
+            </a:r>
+          </a:p>
+          <a:p>
+            <a:r>
+              <a:rPr lang="en-US" altLang="zh-CN" dirty="0" smtClean="0"/>
+              <a:t>4</a:t>
+            </a:r>
+            <a:r>
+              <a:rPr lang="zh-CN" altLang="en-US" dirty="0" smtClean="0"/>
+              <a:t>、</a:t>
             </a:r>
             <a:r>
               <a:rPr lang="zh-CN" altLang="en-US" dirty="0"/>
-              <a:t>应用，也可以是一套数据库服务，甚至是一个操作系统或编译器</a:t>
-            </a:r>
-            <a:r>
-              <a:rPr lang="zh-CN" altLang="en-US" dirty="0" smtClean="0"/>
-              <a:t>。</a:t>
-            </a:r>
-            <a:endParaRPr lang="en-US" altLang="zh-CN" dirty="0" smtClean="0"/>
-          </a:p>
-          <a:p>
+              <a:t>编排开发</a:t>
+            </a:r>
+            <a:r>
+              <a:rPr lang="zh-CN" altLang="en-US" dirty="0" smtClean="0"/>
+              <a:t>环境 </a:t>
+            </a:r>
+            <a:r>
+              <a:rPr lang="en-US" altLang="zh-CN" dirty="0" err="1" smtClean="0"/>
+              <a:t>docker</a:t>
+            </a:r>
+            <a:r>
+              <a:rPr lang="en-US" altLang="zh-CN" dirty="0" smtClean="0"/>
+              <a:t>-compose</a:t>
+            </a:r>
+          </a:p>
+          <a:p>
+            <a:r>
+              <a:rPr lang="en-US" altLang="zh-CN" dirty="0" smtClean="0"/>
+              <a:t>5</a:t>
+            </a:r>
+            <a:r>
+              <a:rPr lang="zh-CN" altLang="en-US" dirty="0"/>
+              <a:t>、拉取基础镜像和基准</a:t>
+            </a:r>
+            <a:r>
+              <a:rPr lang="zh-CN" altLang="en-US" dirty="0" smtClean="0"/>
+              <a:t>代码</a:t>
+            </a:r>
             <a:endParaRPr lang="en-US" altLang="zh-CN" dirty="0"/>
           </a:p>
           <a:p>
             <a:r>
-              <a:rPr lang="en-US" altLang="zh-CN" dirty="0"/>
-              <a:t>Docker</a:t>
-            </a:r>
-            <a:r>
-              <a:rPr lang="zh-CN" altLang="en-US" dirty="0"/>
-              <a:t>的优点在于可以简化</a:t>
-            </a:r>
-            <a:r>
-              <a:rPr lang="en-US" altLang="zh-CN" dirty="0"/>
-              <a:t>CI(</a:t>
-            </a:r>
-            <a:r>
-              <a:rPr lang="zh-CN" altLang="en-US" dirty="0"/>
-              <a:t>持续集成</a:t>
-            </a:r>
-            <a:r>
-              <a:rPr lang="en-US" altLang="zh-CN" dirty="0"/>
-              <a:t>)</a:t>
-            </a:r>
-            <a:r>
-              <a:rPr lang="zh-CN" altLang="en-US" dirty="0"/>
-              <a:t>和</a:t>
-            </a:r>
-            <a:r>
-              <a:rPr lang="en-US" altLang="zh-CN" dirty="0"/>
-              <a:t>CD(</a:t>
-            </a:r>
-            <a:r>
-              <a:rPr lang="zh-CN" altLang="en-US" dirty="0"/>
-              <a:t>持续交付</a:t>
-            </a:r>
-            <a:r>
-              <a:rPr lang="en-US" altLang="zh-CN" dirty="0"/>
-              <a:t>)</a:t>
-            </a:r>
-            <a:r>
-              <a:rPr lang="zh-CN" altLang="en-US" dirty="0"/>
-              <a:t>的构建流程，让开发者集中精力在应用开发上，开发同时负责运维工作和测并行工作，由开发驱动并负责整个开、测试、发布和运维的一体化工作</a:t>
-            </a:r>
-            <a:r>
-              <a:rPr lang="zh-CN" altLang="en-US" dirty="0" smtClean="0"/>
-              <a:t>。</a:t>
-            </a:r>
-            <a:endParaRPr lang="en-US" altLang="zh-CN" dirty="0" smtClean="0"/>
-          </a:p>
-          <a:p>
-            <a:endParaRPr lang="en-US" altLang="zh-CN" dirty="0"/>
-          </a:p>
-          <a:p>
-            <a:r>
-              <a:rPr lang="zh-CN" altLang="en-US" dirty="0" smtClean="0"/>
-              <a:t>配合 </a:t>
-            </a:r>
-            <a:r>
-              <a:rPr lang="en-US" altLang="zh-CN" dirty="0" smtClean="0"/>
-              <a:t>Jenkins </a:t>
-            </a:r>
-            <a:r>
-              <a:rPr lang="zh-CN" altLang="en-US" dirty="0" smtClean="0"/>
-              <a:t>等持续集成工具</a:t>
-            </a:r>
+              <a:rPr lang="en-US" altLang="zh-CN" dirty="0" smtClean="0"/>
+              <a:t>6</a:t>
+            </a:r>
+            <a:r>
+              <a:rPr lang="zh-CN" altLang="en-US" dirty="0" smtClean="0"/>
+              <a:t>、开始开发</a:t>
+            </a:r>
+            <a:endParaRPr lang="zh-CN" altLang="en-US" dirty="0"/>
+          </a:p>
+          <a:p>
+            <a:endParaRPr lang="zh-CN" altLang="en-US" dirty="0"/>
+          </a:p>
+          <a:p>
             <a:endParaRPr lang="zh-CN" altLang="en-US" dirty="0"/>
           </a:p>
         </p:txBody>
@@ -6710,20 +6795,13 @@
     </p:spTree>
     <p:extLst>
       <p:ext uri="{BB962C8B-B14F-4D97-AF65-F5344CB8AC3E}">
-        <p14:creationId xmlns:p14="http://schemas.microsoft.com/office/powerpoint/2010/main" val="1480117759"/>
+        <p14:creationId xmlns:p14="http://schemas.microsoft.com/office/powerpoint/2010/main" val="550424251"/>
       </p:ext>
     </p:extLst>
   </p:cSld>
   <p:clrMapOvr>
     <a:masterClrMapping/>
   </p:clrMapOvr>
-  <p:timing>
-    <p:tnLst>
-      <p:par>
-        <p:cTn id="1" dur="indefinite" restart="never" nodeType="tmRoot"/>
-      </p:par>
-    </p:tnLst>
-  </p:timing>
 </p:sld>
 </file>
 
@@ -6772,10 +6850,9 @@
               <a:t>—</a:t>
             </a:r>
             <a:r>
-              <a:rPr lang="zh-CN" altLang="en-US" dirty="0" smtClean="0"/>
-              <a:t>开发</a:t>
-            </a:r>
-            <a:endParaRPr lang="zh-CN" altLang="en-US" dirty="0"/>
+              <a:rPr lang="zh-CN" altLang="en-US" dirty="0"/>
+              <a:t>测试</a:t>
+            </a:r>
           </a:p>
         </p:txBody>
       </p:sp>
@@ -6797,47 +6874,55 @@
           <a:lstStyle/>
           <a:p>
             <a:r>
+              <a:rPr lang="zh-CN" altLang="en-US" dirty="0" smtClean="0"/>
+              <a:t>从开发部门提出转测试或者</a:t>
+            </a:r>
+            <a:r>
               <a:rPr lang="zh-CN" altLang="en-US" dirty="0"/>
-              <a:t>接到项目，首先我们要分析项目的特性，确立项目的难度、开发周期、开发成本和项目风险，</a:t>
-            </a:r>
-            <a:r>
-              <a:rPr lang="zh-CN" altLang="en-US" dirty="0" smtClean="0"/>
-              <a:t>然后设计</a:t>
+              <a:t>触发</a:t>
+            </a:r>
+            <a:r>
+              <a:rPr lang="zh-CN" altLang="en-US" dirty="0" smtClean="0"/>
+              <a:t> </a:t>
+            </a:r>
+            <a:r>
+              <a:rPr lang="en-US" altLang="zh-CN" dirty="0" smtClean="0"/>
+              <a:t>QA </a:t>
+            </a:r>
+            <a:r>
+              <a:rPr lang="zh-CN" altLang="en-US" dirty="0" smtClean="0"/>
+              <a:t>开始进入测试阶段。</a:t>
+            </a:r>
+            <a:endParaRPr lang="en-US" altLang="zh-CN" dirty="0" smtClean="0"/>
+          </a:p>
+          <a:p>
+            <a:r>
+              <a:rPr lang="en-US" altLang="zh-CN" dirty="0" smtClean="0"/>
+              <a:t>1</a:t>
+            </a:r>
+            <a:r>
+              <a:rPr lang="zh-CN" altLang="en-US" dirty="0" smtClean="0"/>
+              <a:t>、一般从开发移交过来的是转测说明文档、</a:t>
+            </a:r>
+            <a:r>
+              <a:rPr lang="en-US" altLang="zh-CN" dirty="0" smtClean="0"/>
+              <a:t>SVN/GIT </a:t>
+            </a:r>
+            <a:r>
+              <a:rPr lang="zh-CN" altLang="en-US" dirty="0" smtClean="0"/>
+              <a:t>地址（包含所有 </a:t>
+            </a:r>
+            <a:r>
+              <a:rPr lang="en-US" altLang="zh-CN" dirty="0" err="1" smtClean="0"/>
+              <a:t>Dockerfile</a:t>
             </a:r>
             <a:r>
               <a:rPr lang="zh-CN" altLang="en-US" dirty="0"/>
-              <a:t>基镜像和应用镜像</a:t>
-            </a:r>
-            <a:r>
-              <a:rPr lang="zh-CN" altLang="en-US" dirty="0" smtClean="0"/>
-              <a:t>，分发</a:t>
-            </a:r>
-            <a:r>
-              <a:rPr lang="zh-CN" altLang="en-US" dirty="0"/>
-              <a:t>基础镜像和应用镜像给开发成员</a:t>
-            </a:r>
-            <a:r>
-              <a:rPr lang="zh-CN" altLang="en-US" dirty="0" smtClean="0"/>
-              <a:t>。</a:t>
-            </a:r>
-            <a:endParaRPr lang="en-US" altLang="zh-CN" dirty="0" smtClean="0"/>
-          </a:p>
-          <a:p>
-            <a:r>
-              <a:rPr lang="en-US" altLang="zh-CN" dirty="0" smtClean="0"/>
-              <a:t>1</a:t>
-            </a:r>
-            <a:r>
-              <a:rPr lang="zh-CN" altLang="en-US" dirty="0" smtClean="0"/>
-              <a:t>、拉</a:t>
-            </a:r>
-            <a:r>
-              <a:rPr lang="zh-CN" altLang="en-US" dirty="0"/>
-              <a:t>取基础</a:t>
-            </a:r>
-            <a:r>
-              <a:rPr lang="zh-CN" altLang="en-US" dirty="0" smtClean="0"/>
-              <a:t>镜像</a:t>
+              <a:t> </a:t>
+            </a:r>
+            <a:r>
+              <a:rPr lang="zh-CN" altLang="en-US" dirty="0" smtClean="0"/>
+              <a:t>和源码）</a:t>
             </a:r>
             <a:endParaRPr lang="en-US" altLang="zh-CN" dirty="0" smtClean="0"/>
           </a:p>
@@ -6848,17 +6933,9 @@
             </a:r>
             <a:r>
               <a:rPr lang="zh-CN" altLang="en-US" dirty="0" smtClean="0"/>
-              <a:t>、</a:t>
-            </a:r>
-            <a:r>
-              <a:rPr lang="zh-CN" altLang="en-US" dirty="0"/>
-              <a:t>重建基础</a:t>
-            </a:r>
-            <a:r>
-              <a:rPr lang="zh-CN" altLang="en-US" dirty="0" smtClean="0"/>
-              <a:t>镜像，推上私有仓库</a:t>
-            </a:r>
-            <a:endParaRPr lang="zh-CN" altLang="en-US" dirty="0"/>
+              <a:t>、测试人员根据说明文档编译测试版本的镜像，注入测试环境变量，推上私有仓库</a:t>
+            </a:r>
+            <a:endParaRPr lang="en-US" altLang="zh-CN" dirty="0" smtClean="0"/>
           </a:p>
           <a:p>
             <a:r>
@@ -6867,74 +6944,8 @@
             </a:r>
             <a:r>
               <a:rPr lang="zh-CN" altLang="en-US" dirty="0" smtClean="0"/>
-              <a:t>、</a:t>
-            </a:r>
-            <a:r>
-              <a:rPr lang="zh-CN" altLang="en-US" dirty="0"/>
-              <a:t>准备代码</a:t>
-            </a:r>
-            <a:r>
-              <a:rPr lang="zh-CN" altLang="en-US" dirty="0" smtClean="0"/>
-              <a:t>仓库 </a:t>
-            </a:r>
-            <a:r>
-              <a:rPr lang="en-US" altLang="zh-CN" dirty="0" smtClean="0"/>
-              <a:t>SVN/GIT</a:t>
-            </a:r>
-          </a:p>
-          <a:p>
-            <a:r>
-              <a:rPr lang="en-US" altLang="zh-CN" dirty="0" smtClean="0"/>
-              <a:t>4</a:t>
-            </a:r>
-            <a:r>
-              <a:rPr lang="zh-CN" altLang="en-US" dirty="0" smtClean="0"/>
-              <a:t>、</a:t>
-            </a:r>
-            <a:r>
-              <a:rPr lang="zh-CN" altLang="en-US" dirty="0"/>
-              <a:t>编排开发</a:t>
-            </a:r>
-            <a:r>
-              <a:rPr lang="zh-CN" altLang="en-US" dirty="0" smtClean="0"/>
-              <a:t>环境 </a:t>
-            </a:r>
-            <a:r>
-              <a:rPr lang="en-US" altLang="zh-CN" dirty="0" err="1" smtClean="0"/>
-              <a:t>docker</a:t>
-            </a:r>
-            <a:r>
-              <a:rPr lang="en-US" altLang="zh-CN" dirty="0" smtClean="0"/>
-              <a:t>-compose</a:t>
-            </a:r>
-          </a:p>
-          <a:p>
-            <a:r>
-              <a:rPr lang="en-US" altLang="zh-CN" dirty="0" smtClean="0"/>
-              <a:t>5</a:t>
-            </a:r>
-            <a:r>
-              <a:rPr lang="zh-CN" altLang="en-US" dirty="0"/>
-              <a:t>、拉取基础镜像和基准</a:t>
-            </a:r>
-            <a:r>
-              <a:rPr lang="zh-CN" altLang="en-US" dirty="0" smtClean="0"/>
-              <a:t>代码</a:t>
-            </a:r>
-            <a:endParaRPr lang="en-US" altLang="zh-CN" dirty="0"/>
-          </a:p>
-          <a:p>
-            <a:r>
-              <a:rPr lang="en-US" altLang="zh-CN" dirty="0" smtClean="0"/>
-              <a:t>6</a:t>
-            </a:r>
-            <a:r>
-              <a:rPr lang="zh-CN" altLang="en-US" dirty="0" smtClean="0"/>
-              <a:t>、开始开发</a:t>
-            </a:r>
-            <a:endParaRPr lang="zh-CN" altLang="en-US" dirty="0"/>
-          </a:p>
-          <a:p>
+              <a:t>、开始测试，回归</a:t>
+            </a:r>
             <a:endParaRPr lang="zh-CN" altLang="en-US" dirty="0"/>
           </a:p>
           <a:p>
@@ -6945,7 +6956,7 @@
     </p:spTree>
     <p:extLst>
       <p:ext uri="{BB962C8B-B14F-4D97-AF65-F5344CB8AC3E}">
-        <p14:creationId xmlns:p14="http://schemas.microsoft.com/office/powerpoint/2010/main" val="550424251"/>
+        <p14:creationId xmlns:p14="http://schemas.microsoft.com/office/powerpoint/2010/main" val="3539297340"/>
       </p:ext>
     </p:extLst>
   </p:cSld>
@@ -7001,171 +7012,6 @@
             </a:r>
             <a:r>
               <a:rPr lang="zh-CN" altLang="en-US" dirty="0"/>
-              <a:t>测试</a:t>
-            </a:r>
-          </a:p>
-        </p:txBody>
-      </p:sp>
-      <p:sp>
-        <p:nvSpPr>
-          <p:cNvPr id="3" name="内容占位符 2"/>
-          <p:cNvSpPr>
-            <a:spLocks noGrp="1"/>
-          </p:cNvSpPr>
-          <p:nvPr>
-            <p:ph idx="1"/>
-          </p:nvPr>
-        </p:nvSpPr>
-        <p:spPr/>
-        <p:txBody>
-          <a:bodyPr>
-            <a:normAutofit/>
-          </a:bodyPr>
-          <a:lstStyle/>
-          <a:p>
-            <a:r>
-              <a:rPr lang="zh-CN" altLang="en-US" dirty="0" smtClean="0"/>
-              <a:t>从开发部门提出转测试</a:t>
-            </a:r>
-            <a:r>
-              <a:rPr lang="zh-CN" altLang="en-US" dirty="0" smtClean="0"/>
-              <a:t>或者</a:t>
-            </a:r>
-            <a:r>
-              <a:rPr lang="zh-CN" altLang="en-US" dirty="0"/>
-              <a:t>触发</a:t>
-            </a:r>
-            <a:r>
-              <a:rPr lang="zh-CN" altLang="en-US" dirty="0" smtClean="0"/>
-              <a:t> </a:t>
-            </a:r>
-            <a:r>
-              <a:rPr lang="en-US" altLang="zh-CN" dirty="0" smtClean="0"/>
-              <a:t>QA </a:t>
-            </a:r>
-            <a:r>
-              <a:rPr lang="zh-CN" altLang="en-US" dirty="0" smtClean="0"/>
-              <a:t>开始进入测试阶段。</a:t>
-            </a:r>
-            <a:endParaRPr lang="en-US" altLang="zh-CN" dirty="0" smtClean="0"/>
-          </a:p>
-          <a:p>
-            <a:r>
-              <a:rPr lang="en-US" altLang="zh-CN" dirty="0" smtClean="0"/>
-              <a:t>1</a:t>
-            </a:r>
-            <a:r>
-              <a:rPr lang="zh-CN" altLang="en-US" dirty="0" smtClean="0"/>
-              <a:t>、一般从开发移交过来的是转测说明文档、</a:t>
-            </a:r>
-            <a:r>
-              <a:rPr lang="en-US" altLang="zh-CN" dirty="0" smtClean="0"/>
-              <a:t>SVN/GIT </a:t>
-            </a:r>
-            <a:r>
-              <a:rPr lang="zh-CN" altLang="en-US" dirty="0" smtClean="0"/>
-              <a:t>地址（包含所有 </a:t>
-            </a:r>
-            <a:r>
-              <a:rPr lang="en-US" altLang="zh-CN" dirty="0" err="1" smtClean="0"/>
-              <a:t>Dockerfile</a:t>
-            </a:r>
-            <a:r>
-              <a:rPr lang="zh-CN" altLang="en-US" dirty="0"/>
-              <a:t> </a:t>
-            </a:r>
-            <a:r>
-              <a:rPr lang="zh-CN" altLang="en-US" dirty="0" smtClean="0"/>
-              <a:t>和源码）</a:t>
-            </a:r>
-            <a:endParaRPr lang="en-US" altLang="zh-CN" dirty="0" smtClean="0"/>
-          </a:p>
-          <a:p>
-            <a:r>
-              <a:rPr lang="en-US" altLang="zh-CN" dirty="0" smtClean="0"/>
-              <a:t>2</a:t>
-            </a:r>
-            <a:r>
-              <a:rPr lang="zh-CN" altLang="en-US" dirty="0" smtClean="0"/>
-              <a:t>、测试人员根据说明文档编译测试版本的镜像，注入测试环境变量，推上私有仓库</a:t>
-            </a:r>
-            <a:endParaRPr lang="en-US" altLang="zh-CN" dirty="0" smtClean="0"/>
-          </a:p>
-          <a:p>
-            <a:r>
-              <a:rPr lang="en-US" altLang="zh-CN" dirty="0" smtClean="0"/>
-              <a:t>3</a:t>
-            </a:r>
-            <a:r>
-              <a:rPr lang="zh-CN" altLang="en-US" dirty="0" smtClean="0"/>
-              <a:t>、开始测试，回归</a:t>
-            </a:r>
-            <a:endParaRPr lang="zh-CN" altLang="en-US" dirty="0"/>
-          </a:p>
-          <a:p>
-            <a:endParaRPr lang="zh-CN" altLang="en-US" dirty="0"/>
-          </a:p>
-        </p:txBody>
-      </p:sp>
-    </p:spTree>
-    <p:extLst>
-      <p:ext uri="{BB962C8B-B14F-4D97-AF65-F5344CB8AC3E}">
-        <p14:creationId xmlns:p14="http://schemas.microsoft.com/office/powerpoint/2010/main" val="3539297340"/>
-      </p:ext>
-    </p:extLst>
-  </p:cSld>
-  <p:clrMapOvr>
-    <a:masterClrMapping/>
-  </p:clrMapOvr>
-</p:sld>
-</file>
-
-<file path=ppt/slides/slide28.xml><?xml version="1.0" encoding="utf-8"?>
-<p:sld xmlns:a="http://schemas.openxmlformats.org/drawingml/2006/main" xmlns:r="http://schemas.openxmlformats.org/officeDocument/2006/relationships" xmlns:p="http://schemas.openxmlformats.org/presentationml/2006/main">
-  <p:cSld>
-    <p:spTree>
-      <p:nvGrpSpPr>
-        <p:cNvPr id="1" name=""/>
-        <p:cNvGrpSpPr/>
-        <p:nvPr/>
-      </p:nvGrpSpPr>
-      <p:grpSpPr>
-        <a:xfrm>
-          <a:off x="0" y="0"/>
-          <a:ext cx="0" cy="0"/>
-          <a:chOff x="0" y="0"/>
-          <a:chExt cx="0" cy="0"/>
-        </a:xfrm>
-      </p:grpSpPr>
-      <p:sp>
-        <p:nvSpPr>
-          <p:cNvPr id="2" name="标题 1"/>
-          <p:cNvSpPr>
-            <a:spLocks noGrp="1"/>
-          </p:cNvSpPr>
-          <p:nvPr>
-            <p:ph type="title"/>
-          </p:nvPr>
-        </p:nvSpPr>
-        <p:spPr/>
-        <p:txBody>
-          <a:bodyPr/>
-          <a:lstStyle/>
-          <a:p>
-            <a:r>
-              <a:rPr lang="en-US" altLang="zh-CN" dirty="0" smtClean="0"/>
-              <a:t>Docker </a:t>
-            </a:r>
-            <a:r>
-              <a:rPr lang="zh-CN" altLang="en-US" dirty="0" smtClean="0"/>
-              <a:t>实践</a:t>
-            </a:r>
-            <a:r>
-              <a:rPr lang="en-US" altLang="zh-CN" dirty="0" smtClean="0"/>
-              <a:t>—</a:t>
-            </a:r>
-            <a:r>
-              <a:rPr lang="zh-CN" altLang="en-US" dirty="0"/>
               <a:t>发布</a:t>
             </a:r>
           </a:p>
@@ -7242,7 +7088,7 @@
 </p:sld>
 </file>
 
-<file path=ppt/slides/slide29.xml><?xml version="1.0" encoding="utf-8"?>
+<file path=ppt/slides/slide28.xml><?xml version="1.0" encoding="utf-8"?>
 <p:sld xmlns:a="http://schemas.openxmlformats.org/drawingml/2006/main" xmlns:r="http://schemas.openxmlformats.org/officeDocument/2006/relationships" xmlns:p="http://schemas.openxmlformats.org/presentationml/2006/main">
   <p:cSld>
     <p:spTree>
@@ -7356,7 +7202,7 @@
             </a:r>
             <a:r>
               <a:rPr lang="zh-CN" altLang="en-US" dirty="0" smtClean="0"/>
-              <a:t>的好与坏</a:t>
+              <a:t>的好处</a:t>
             </a:r>
             <a:endParaRPr lang="en-US" altLang="zh-CN" dirty="0" smtClean="0"/>
           </a:p>
@@ -7424,6 +7270,168 @@
     <p:extLst>
       <p:ext uri="{BB962C8B-B14F-4D97-AF65-F5344CB8AC3E}">
         <p14:creationId xmlns:p14="http://schemas.microsoft.com/office/powerpoint/2010/main" val="2798041982"/>
+      </p:ext>
+    </p:extLst>
+  </p:cSld>
+  <p:clrMapOvr>
+    <a:masterClrMapping/>
+  </p:clrMapOvr>
+  <p:timing>
+    <p:tnLst>
+      <p:par>
+        <p:cTn id="1" dur="indefinite" restart="never" nodeType="tmRoot"/>
+      </p:par>
+    </p:tnLst>
+  </p:timing>
+</p:sld>
+</file>
+
+<file path=ppt/slides/slide29.xml><?xml version="1.0" encoding="utf-8"?>
+<p:sld xmlns:a="http://schemas.openxmlformats.org/drawingml/2006/main" xmlns:r="http://schemas.openxmlformats.org/officeDocument/2006/relationships" xmlns:p="http://schemas.openxmlformats.org/presentationml/2006/main">
+  <p:cSld>
+    <p:spTree>
+      <p:nvGrpSpPr>
+        <p:cNvPr id="1" name=""/>
+        <p:cNvGrpSpPr/>
+        <p:nvPr/>
+      </p:nvGrpSpPr>
+      <p:grpSpPr>
+        <a:xfrm>
+          <a:off x="0" y="0"/>
+          <a:ext cx="0" cy="0"/>
+          <a:chOff x="0" y="0"/>
+          <a:chExt cx="0" cy="0"/>
+        </a:xfrm>
+      </p:grpSpPr>
+      <p:sp>
+        <p:nvSpPr>
+          <p:cNvPr id="2" name="标题 1"/>
+          <p:cNvSpPr>
+            <a:spLocks noGrp="1"/>
+          </p:cNvSpPr>
+          <p:nvPr>
+            <p:ph type="title"/>
+          </p:nvPr>
+        </p:nvSpPr>
+        <p:spPr/>
+        <p:txBody>
+          <a:bodyPr/>
+          <a:lstStyle/>
+          <a:p>
+            <a:r>
+              <a:rPr lang="en-US" altLang="zh-CN" dirty="0" smtClean="0"/>
+              <a:t>Docker </a:t>
+            </a:r>
+            <a:r>
+              <a:rPr lang="zh-CN" altLang="en-US" dirty="0" smtClean="0"/>
+              <a:t>集群化和编排</a:t>
+            </a:r>
+            <a:endParaRPr lang="zh-CN" altLang="en-US" dirty="0"/>
+          </a:p>
+        </p:txBody>
+      </p:sp>
+      <p:sp>
+        <p:nvSpPr>
+          <p:cNvPr id="3" name="内容占位符 2"/>
+          <p:cNvSpPr>
+            <a:spLocks noGrp="1"/>
+          </p:cNvSpPr>
+          <p:nvPr>
+            <p:ph idx="1"/>
+          </p:nvPr>
+        </p:nvSpPr>
+        <p:spPr/>
+        <p:txBody>
+          <a:bodyPr/>
+          <a:lstStyle/>
+          <a:p>
+            <a:r>
+              <a:rPr lang="en-US" altLang="zh-CN" dirty="0" smtClean="0"/>
+              <a:t>Docker</a:t>
+            </a:r>
+            <a:r>
+              <a:rPr lang="zh-CN" altLang="en-US" dirty="0"/>
+              <a:t>集群化和编排</a:t>
+            </a:r>
+            <a:r>
+              <a:rPr lang="zh-CN" altLang="en-US" dirty="0" smtClean="0"/>
+              <a:t>方案选择</a:t>
+            </a:r>
+            <a:endParaRPr lang="en-US" altLang="zh-CN" dirty="0" smtClean="0"/>
+          </a:p>
+          <a:p>
+            <a:endParaRPr lang="en-US" altLang="zh-CN" dirty="0" smtClean="0"/>
+          </a:p>
+          <a:p>
+            <a:r>
+              <a:rPr lang="en-US" altLang="zh-CN" dirty="0" smtClean="0"/>
+              <a:t>1</a:t>
+            </a:r>
+            <a:r>
+              <a:rPr lang="zh-CN" altLang="en-US" dirty="0" smtClean="0"/>
+              <a:t>、</a:t>
+            </a:r>
+            <a:r>
+              <a:rPr lang="en-US" altLang="zh-CN" dirty="0" smtClean="0"/>
+              <a:t>Docker Swarm</a:t>
+            </a:r>
+          </a:p>
+          <a:p>
+            <a:r>
+              <a:rPr lang="en-US" altLang="zh-CN" dirty="0" smtClean="0"/>
+              <a:t>2</a:t>
+            </a:r>
+            <a:r>
+              <a:rPr lang="zh-CN" altLang="en-US" dirty="0" smtClean="0"/>
+              <a:t>、</a:t>
+            </a:r>
+            <a:r>
+              <a:rPr lang="en-US" altLang="zh-CN" dirty="0" smtClean="0"/>
+              <a:t>Apache </a:t>
+            </a:r>
+            <a:r>
+              <a:rPr lang="en-US" altLang="zh-CN" dirty="0" err="1" smtClean="0"/>
+              <a:t>Mesos</a:t>
+            </a:r>
+            <a:endParaRPr lang="en-US" altLang="zh-CN" dirty="0" smtClean="0"/>
+          </a:p>
+          <a:p>
+            <a:r>
+              <a:rPr lang="en-US" altLang="zh-CN" dirty="0" smtClean="0"/>
+              <a:t>3</a:t>
+            </a:r>
+            <a:r>
+              <a:rPr lang="zh-CN" altLang="en-US" dirty="0" smtClean="0"/>
+              <a:t>、</a:t>
+            </a:r>
+            <a:r>
+              <a:rPr lang="en-US" altLang="zh-CN" dirty="0" smtClean="0"/>
+              <a:t>Google Kubernetes</a:t>
+            </a:r>
+          </a:p>
+          <a:p>
+            <a:endParaRPr lang="en-US" altLang="zh-CN" dirty="0"/>
+          </a:p>
+          <a:p>
+            <a:r>
+              <a:rPr lang="zh-CN" altLang="en-US" dirty="0" smtClean="0"/>
+              <a:t>后面选择 </a:t>
+            </a:r>
+            <a:r>
+              <a:rPr lang="en-US" altLang="zh-CN" dirty="0" err="1" smtClean="0"/>
+              <a:t>kubernetes</a:t>
+            </a:r>
+            <a:endParaRPr lang="en-US" altLang="zh-CN" dirty="0" smtClean="0"/>
+          </a:p>
+          <a:p>
+            <a:endParaRPr lang="zh-CN" altLang="en-US" dirty="0"/>
+          </a:p>
+        </p:txBody>
+      </p:sp>
+    </p:spTree>
+    <p:extLst>
+      <p:ext uri="{BB962C8B-B14F-4D97-AF65-F5344CB8AC3E}">
+        <p14:creationId xmlns:p14="http://schemas.microsoft.com/office/powerpoint/2010/main" val="105444066"/>
       </p:ext>
     </p:extLst>
   </p:cSld>
@@ -7554,7 +7562,7 @@
             </a:r>
             <a:r>
               <a:rPr lang="zh-CN" altLang="en-US" dirty="0" smtClean="0"/>
-              <a:t>的好与坏</a:t>
+              <a:t>的好处</a:t>
             </a:r>
             <a:endParaRPr lang="en-US" altLang="zh-CN" dirty="0" smtClean="0"/>
           </a:p>
@@ -7657,168 +7665,6 @@
       </p:grpSpPr>
       <p:sp>
         <p:nvSpPr>
-          <p:cNvPr id="2" name="标题 1"/>
-          <p:cNvSpPr>
-            <a:spLocks noGrp="1"/>
-          </p:cNvSpPr>
-          <p:nvPr>
-            <p:ph type="title"/>
-          </p:nvPr>
-        </p:nvSpPr>
-        <p:spPr/>
-        <p:txBody>
-          <a:bodyPr/>
-          <a:lstStyle/>
-          <a:p>
-            <a:r>
-              <a:rPr lang="en-US" altLang="zh-CN" dirty="0" smtClean="0"/>
-              <a:t>Docker </a:t>
-            </a:r>
-            <a:r>
-              <a:rPr lang="zh-CN" altLang="en-US" dirty="0" smtClean="0"/>
-              <a:t>集群化和编排</a:t>
-            </a:r>
-            <a:endParaRPr lang="zh-CN" altLang="en-US" dirty="0"/>
-          </a:p>
-        </p:txBody>
-      </p:sp>
-      <p:sp>
-        <p:nvSpPr>
-          <p:cNvPr id="3" name="内容占位符 2"/>
-          <p:cNvSpPr>
-            <a:spLocks noGrp="1"/>
-          </p:cNvSpPr>
-          <p:nvPr>
-            <p:ph idx="1"/>
-          </p:nvPr>
-        </p:nvSpPr>
-        <p:spPr/>
-        <p:txBody>
-          <a:bodyPr/>
-          <a:lstStyle/>
-          <a:p>
-            <a:r>
-              <a:rPr lang="en-US" altLang="zh-CN" dirty="0" smtClean="0"/>
-              <a:t>Docker</a:t>
-            </a:r>
-            <a:r>
-              <a:rPr lang="zh-CN" altLang="en-US" dirty="0"/>
-              <a:t>集群化和编排</a:t>
-            </a:r>
-            <a:r>
-              <a:rPr lang="zh-CN" altLang="en-US" dirty="0" smtClean="0"/>
-              <a:t>方案选择</a:t>
-            </a:r>
-            <a:endParaRPr lang="en-US" altLang="zh-CN" dirty="0" smtClean="0"/>
-          </a:p>
-          <a:p>
-            <a:endParaRPr lang="en-US" altLang="zh-CN" dirty="0" smtClean="0"/>
-          </a:p>
-          <a:p>
-            <a:r>
-              <a:rPr lang="en-US" altLang="zh-CN" dirty="0" smtClean="0"/>
-              <a:t>1</a:t>
-            </a:r>
-            <a:r>
-              <a:rPr lang="zh-CN" altLang="en-US" dirty="0" smtClean="0"/>
-              <a:t>、</a:t>
-            </a:r>
-            <a:r>
-              <a:rPr lang="en-US" altLang="zh-CN" dirty="0" smtClean="0"/>
-              <a:t>Docker Swarm</a:t>
-            </a:r>
-          </a:p>
-          <a:p>
-            <a:r>
-              <a:rPr lang="en-US" altLang="zh-CN" dirty="0" smtClean="0"/>
-              <a:t>2</a:t>
-            </a:r>
-            <a:r>
-              <a:rPr lang="zh-CN" altLang="en-US" dirty="0" smtClean="0"/>
-              <a:t>、</a:t>
-            </a:r>
-            <a:r>
-              <a:rPr lang="en-US" altLang="zh-CN" dirty="0" smtClean="0"/>
-              <a:t>Apache </a:t>
-            </a:r>
-            <a:r>
-              <a:rPr lang="en-US" altLang="zh-CN" dirty="0" err="1" smtClean="0"/>
-              <a:t>Mesos</a:t>
-            </a:r>
-            <a:endParaRPr lang="en-US" altLang="zh-CN" dirty="0" smtClean="0"/>
-          </a:p>
-          <a:p>
-            <a:r>
-              <a:rPr lang="en-US" altLang="zh-CN" dirty="0" smtClean="0"/>
-              <a:t>3</a:t>
-            </a:r>
-            <a:r>
-              <a:rPr lang="zh-CN" altLang="en-US" dirty="0" smtClean="0"/>
-              <a:t>、</a:t>
-            </a:r>
-            <a:r>
-              <a:rPr lang="en-US" altLang="zh-CN" dirty="0" smtClean="0"/>
-              <a:t>Google Kubernetes</a:t>
-            </a:r>
-          </a:p>
-          <a:p>
-            <a:endParaRPr lang="en-US" altLang="zh-CN" dirty="0"/>
-          </a:p>
-          <a:p>
-            <a:r>
-              <a:rPr lang="zh-CN" altLang="en-US" dirty="0" smtClean="0"/>
-              <a:t>后面选择 </a:t>
-            </a:r>
-            <a:r>
-              <a:rPr lang="en-US" altLang="zh-CN" dirty="0" err="1" smtClean="0"/>
-              <a:t>kubernetes</a:t>
-            </a:r>
-            <a:endParaRPr lang="en-US" altLang="zh-CN" dirty="0" smtClean="0"/>
-          </a:p>
-          <a:p>
-            <a:endParaRPr lang="zh-CN" altLang="en-US" dirty="0"/>
-          </a:p>
-        </p:txBody>
-      </p:sp>
-    </p:spTree>
-    <p:extLst>
-      <p:ext uri="{BB962C8B-B14F-4D97-AF65-F5344CB8AC3E}">
-        <p14:creationId xmlns:p14="http://schemas.microsoft.com/office/powerpoint/2010/main" val="105444066"/>
-      </p:ext>
-    </p:extLst>
-  </p:cSld>
-  <p:clrMapOvr>
-    <a:masterClrMapping/>
-  </p:clrMapOvr>
-  <p:timing>
-    <p:tnLst>
-      <p:par>
-        <p:cTn id="1" dur="indefinite" restart="never" nodeType="tmRoot"/>
-      </p:par>
-    </p:tnLst>
-  </p:timing>
-</p:sld>
-</file>
-
-<file path=ppt/slides/slide31.xml><?xml version="1.0" encoding="utf-8"?>
-<p:sld xmlns:a="http://schemas.openxmlformats.org/drawingml/2006/main" xmlns:r="http://schemas.openxmlformats.org/officeDocument/2006/relationships" xmlns:p="http://schemas.openxmlformats.org/presentationml/2006/main">
-  <p:cSld>
-    <p:spTree>
-      <p:nvGrpSpPr>
-        <p:cNvPr id="1" name=""/>
-        <p:cNvGrpSpPr/>
-        <p:nvPr/>
-      </p:nvGrpSpPr>
-      <p:grpSpPr>
-        <a:xfrm>
-          <a:off x="0" y="0"/>
-          <a:ext cx="0" cy="0"/>
-          <a:chOff x="0" y="0"/>
-          <a:chExt cx="0" cy="0"/>
-        </a:xfrm>
-      </p:grpSpPr>
-      <p:sp>
-        <p:nvSpPr>
           <p:cNvPr id="2" name="圆角矩形 1"/>
           <p:cNvSpPr/>
           <p:nvPr/>
@@ -7914,7 +7760,7 @@
             </a:r>
             <a:r>
               <a:rPr lang="zh-CN" altLang="en-US" dirty="0" smtClean="0"/>
-              <a:t>的好与坏</a:t>
+              <a:t>的好处</a:t>
             </a:r>
             <a:endParaRPr lang="en-US" altLang="zh-CN" dirty="0" smtClean="0"/>
           </a:p>
@@ -7998,7 +7844,7 @@
 </p:sld>
 </file>
 
-<file path=ppt/slides/slide32.xml><?xml version="1.0" encoding="utf-8"?>
+<file path=ppt/slides/slide31.xml><?xml version="1.0" encoding="utf-8"?>
 <p:sld xmlns:a="http://schemas.openxmlformats.org/drawingml/2006/main" xmlns:r="http://schemas.openxmlformats.org/officeDocument/2006/relationships" xmlns:p="http://schemas.openxmlformats.org/presentationml/2006/main">
   <p:cSld>
     <p:spTree>
@@ -8885,7 +8731,7 @@
             </a:r>
             <a:r>
               <a:rPr lang="zh-CN" altLang="en-US" dirty="0" smtClean="0"/>
-              <a:t>的好与坏</a:t>
+              <a:t>的好处</a:t>
             </a:r>
             <a:endParaRPr lang="en-US" altLang="zh-CN" dirty="0" smtClean="0"/>
           </a:p>

--- a/docker/Docker技术介绍.pptx
+++ b/docker/Docker技术介绍.pptx
@@ -270,7 +270,7 @@
           <a:p>
             <a:fld id="{8B2E76F8-9077-4161-B79F-81261C81B85B}" type="datetimeFigureOut">
               <a:rPr lang="zh-CN" altLang="en-US" smtClean="0"/>
-              <a:t>2017/10/27</a:t>
+              <a:t>2017/11/7</a:t>
             </a:fld>
             <a:endParaRPr lang="zh-CN" altLang="en-US"/>
           </a:p>
@@ -837,7 +837,7 @@
           <a:p>
             <a:fld id="{7207A88D-DD53-4209-AD7A-9B19DA6FDFFF}" type="datetimeFigureOut">
               <a:rPr lang="zh-CN" altLang="en-US" smtClean="0"/>
-              <a:t>2017/10/27</a:t>
+              <a:t>2017/11/7</a:t>
             </a:fld>
             <a:endParaRPr lang="zh-CN" altLang="en-US"/>
           </a:p>
@@ -1007,7 +1007,7 @@
           <a:p>
             <a:fld id="{7207A88D-DD53-4209-AD7A-9B19DA6FDFFF}" type="datetimeFigureOut">
               <a:rPr lang="zh-CN" altLang="en-US" smtClean="0"/>
-              <a:t>2017/10/27</a:t>
+              <a:t>2017/11/7</a:t>
             </a:fld>
             <a:endParaRPr lang="zh-CN" altLang="en-US"/>
           </a:p>
@@ -1187,7 +1187,7 @@
           <a:p>
             <a:fld id="{7207A88D-DD53-4209-AD7A-9B19DA6FDFFF}" type="datetimeFigureOut">
               <a:rPr lang="zh-CN" altLang="en-US" smtClean="0"/>
-              <a:t>2017/10/27</a:t>
+              <a:t>2017/11/7</a:t>
             </a:fld>
             <a:endParaRPr lang="zh-CN" altLang="en-US"/>
           </a:p>
@@ -1357,7 +1357,7 @@
           <a:p>
             <a:fld id="{7207A88D-DD53-4209-AD7A-9B19DA6FDFFF}" type="datetimeFigureOut">
               <a:rPr lang="zh-CN" altLang="en-US" smtClean="0"/>
-              <a:t>2017/10/27</a:t>
+              <a:t>2017/11/7</a:t>
             </a:fld>
             <a:endParaRPr lang="zh-CN" altLang="en-US"/>
           </a:p>
@@ -1603,7 +1603,7 @@
           <a:p>
             <a:fld id="{7207A88D-DD53-4209-AD7A-9B19DA6FDFFF}" type="datetimeFigureOut">
               <a:rPr lang="zh-CN" altLang="en-US" smtClean="0"/>
-              <a:t>2017/10/27</a:t>
+              <a:t>2017/11/7</a:t>
             </a:fld>
             <a:endParaRPr lang="zh-CN" altLang="en-US"/>
           </a:p>
@@ -1835,7 +1835,7 @@
           <a:p>
             <a:fld id="{7207A88D-DD53-4209-AD7A-9B19DA6FDFFF}" type="datetimeFigureOut">
               <a:rPr lang="zh-CN" altLang="en-US" smtClean="0"/>
-              <a:t>2017/10/27</a:t>
+              <a:t>2017/11/7</a:t>
             </a:fld>
             <a:endParaRPr lang="zh-CN" altLang="en-US"/>
           </a:p>
@@ -2202,7 +2202,7 @@
           <a:p>
             <a:fld id="{7207A88D-DD53-4209-AD7A-9B19DA6FDFFF}" type="datetimeFigureOut">
               <a:rPr lang="zh-CN" altLang="en-US" smtClean="0"/>
-              <a:t>2017/10/27</a:t>
+              <a:t>2017/11/7</a:t>
             </a:fld>
             <a:endParaRPr lang="zh-CN" altLang="en-US"/>
           </a:p>
@@ -2320,7 +2320,7 @@
           <a:p>
             <a:fld id="{7207A88D-DD53-4209-AD7A-9B19DA6FDFFF}" type="datetimeFigureOut">
               <a:rPr lang="zh-CN" altLang="en-US" smtClean="0"/>
-              <a:t>2017/10/27</a:t>
+              <a:t>2017/11/7</a:t>
             </a:fld>
             <a:endParaRPr lang="zh-CN" altLang="en-US"/>
           </a:p>
@@ -2415,7 +2415,7 @@
           <a:p>
             <a:fld id="{7207A88D-DD53-4209-AD7A-9B19DA6FDFFF}" type="datetimeFigureOut">
               <a:rPr lang="zh-CN" altLang="en-US" smtClean="0"/>
-              <a:t>2017/10/27</a:t>
+              <a:t>2017/11/7</a:t>
             </a:fld>
             <a:endParaRPr lang="zh-CN" altLang="en-US"/>
           </a:p>
@@ -2692,7 +2692,7 @@
           <a:p>
             <a:fld id="{7207A88D-DD53-4209-AD7A-9B19DA6FDFFF}" type="datetimeFigureOut">
               <a:rPr lang="zh-CN" altLang="en-US" smtClean="0"/>
-              <a:t>2017/10/27</a:t>
+              <a:t>2017/11/7</a:t>
             </a:fld>
             <a:endParaRPr lang="zh-CN" altLang="en-US"/>
           </a:p>
@@ -2945,7 +2945,7 @@
           <a:p>
             <a:fld id="{7207A88D-DD53-4209-AD7A-9B19DA6FDFFF}" type="datetimeFigureOut">
               <a:rPr lang="zh-CN" altLang="en-US" smtClean="0"/>
-              <a:t>2017/10/27</a:t>
+              <a:t>2017/11/7</a:t>
             </a:fld>
             <a:endParaRPr lang="zh-CN" altLang="en-US"/>
           </a:p>
@@ -3158,7 +3158,7 @@
           <a:p>
             <a:fld id="{7207A88D-DD53-4209-AD7A-9B19DA6FDFFF}" type="datetimeFigureOut">
               <a:rPr lang="zh-CN" altLang="en-US" smtClean="0"/>
-              <a:t>2017/10/27</a:t>
+              <a:t>2017/11/7</a:t>
             </a:fld>
             <a:endParaRPr lang="zh-CN" altLang="en-US"/>
           </a:p>
@@ -3633,7 +3633,7 @@
           </a:p>
           <a:p>
             <a:r>
-              <a:rPr lang="en-US" altLang="zh-CN" dirty="0" err="1"/>
+              <a:rPr lang="en-US" altLang="zh-CN" smtClean="0"/>
               <a:t>huahouye</a:t>
             </a:r>
             <a:endParaRPr lang="zh-CN" altLang="en-US" dirty="0"/>
@@ -4566,7 +4566,7 @@
               <a:t>CaaS</a:t>
             </a:r>
             <a:r>
-              <a:rPr lang="zh-CN" altLang="en-US" dirty="0" smtClean="0"/>
+              <a:rPr lang="zh-CN" altLang="en-US" dirty="0"/>
               <a:t>、</a:t>
             </a:r>
             <a:r>
@@ -4574,27 +4574,27 @@
               <a:t>PaaS</a:t>
             </a:r>
             <a:r>
-              <a:rPr lang="zh-CN" altLang="en-US" dirty="0" smtClean="0"/>
-              <a:t>，</a:t>
+              <a:rPr lang="zh-CN" altLang="en-US" dirty="0"/>
+              <a:t>、</a:t>
             </a:r>
             <a:r>
               <a:rPr lang="en-US" altLang="zh-CN" dirty="0" smtClean="0"/>
               <a:t>IaaS</a:t>
             </a:r>
             <a:r>
-              <a:rPr lang="zh-CN" altLang="en-US" dirty="0" smtClean="0"/>
-              <a:t>，</a:t>
+              <a:rPr lang="zh-CN" altLang="en-US" dirty="0"/>
+              <a:t>、</a:t>
             </a:r>
             <a:r>
               <a:rPr lang="en-US" altLang="zh-CN" dirty="0" smtClean="0"/>
               <a:t>BaaS</a:t>
             </a:r>
             <a:r>
-              <a:rPr lang="zh-CN" altLang="en-US" dirty="0" smtClean="0"/>
-              <a:t>，</a:t>
-            </a:r>
-            <a:r>
-              <a:rPr lang="en-US" altLang="zh-CN" dirty="0" smtClean="0"/>
+              <a:rPr lang="zh-CN" altLang="en-US" dirty="0"/>
+              <a:t>、</a:t>
+            </a:r>
+            <a:r>
+              <a:rPr lang="en-US" altLang="zh-CN" smtClean="0"/>
               <a:t>SaaS </a:t>
             </a:r>
             <a:r>
@@ -8064,6 +8064,43 @@
               </a:rPr>
               <a:t>www.gitbook.com/book/hujb2000/docker-flow-evolution/details</a:t>
             </a:r>
+            <a:endParaRPr lang="en-US" altLang="zh-CN" dirty="0"/>
+          </a:p>
+          <a:p>
+            <a:r>
+              <a:rPr lang="en-US" altLang="zh-CN" dirty="0" smtClean="0"/>
+              <a:t>Docker </a:t>
+            </a:r>
+            <a:r>
+              <a:rPr lang="zh-CN" altLang="en-US" dirty="0" smtClean="0"/>
+              <a:t>从</a:t>
+            </a:r>
+            <a:r>
+              <a:rPr lang="zh-CN" altLang="en-US" dirty="0"/>
+              <a:t>入门到</a:t>
+            </a:r>
+            <a:r>
+              <a:rPr lang="zh-CN" altLang="en-US" dirty="0" smtClean="0"/>
+              <a:t>实践：</a:t>
+            </a:r>
+            <a:r>
+              <a:rPr lang="en-US" altLang="zh-CN" dirty="0" smtClean="0">
+                <a:hlinkClick r:id="rId11"/>
+              </a:rPr>
+              <a:t>https</a:t>
+            </a:r>
+            <a:r>
+              <a:rPr lang="en-US" altLang="zh-CN" dirty="0">
+                <a:hlinkClick r:id="rId11"/>
+              </a:rPr>
+              <a:t>://</a:t>
+            </a:r>
+            <a:r>
+              <a:rPr lang="en-US" altLang="zh-CN" dirty="0" smtClean="0">
+                <a:hlinkClick r:id="rId11"/>
+              </a:rPr>
+              <a:t>www.gitbook.com/book/yeasy/docker_practice/details</a:t>
+            </a:r>
             <a:endParaRPr lang="zh-CN" altLang="fr-FR" dirty="0"/>
           </a:p>
           <a:p>
@@ -8074,108 +8111,99 @@
             <a:r>
               <a:rPr lang="zh-CN" altLang="fr-FR" dirty="0"/>
               <a:t>中文网站：</a:t>
-            </a:r>
-            <a:r>
-              <a:rPr lang="fr-FR" altLang="zh-CN" u="sng" dirty="0">
-                <a:hlinkClick r:id="rId11"/>
-              </a:rPr>
-              <a:t>http://www.docker.org.cn</a:t>
-            </a:r>
-            <a:endParaRPr lang="fr-FR" altLang="zh-CN" dirty="0"/>
-          </a:p>
-          <a:p>
-            <a:r>
-              <a:rPr lang="fr-FR" altLang="zh-CN" dirty="0"/>
-              <a:t>Docker</a:t>
-            </a:r>
-            <a:r>
-              <a:rPr lang="zh-CN" altLang="fr-FR" dirty="0"/>
-              <a:t>安装手册：</a:t>
             </a:r>
             <a:r>
               <a:rPr lang="fr-FR" altLang="zh-CN" u="sng" dirty="0">
                 <a:hlinkClick r:id="rId12"/>
               </a:rPr>
-              <a:t>http://www.docker.org.cn/book/install.html</a:t>
+              <a:t>http://www.docker.org.cn</a:t>
             </a:r>
             <a:endParaRPr lang="fr-FR" altLang="zh-CN" dirty="0"/>
           </a:p>
           <a:p>
-            <a:r>
-              <a:rPr lang="zh-CN" altLang="fr-FR" dirty="0"/>
-              <a:t>一小时</a:t>
-            </a:r>
             <a:r>
               <a:rPr lang="fr-FR" altLang="zh-CN" dirty="0"/>
               <a:t>Docker</a:t>
             </a:r>
             <a:r>
               <a:rPr lang="zh-CN" altLang="fr-FR" dirty="0"/>
-              <a:t>教程 ：</a:t>
+              <a:t>安装手册：</a:t>
             </a:r>
             <a:r>
               <a:rPr lang="fr-FR" altLang="zh-CN" u="sng" dirty="0">
                 <a:hlinkClick r:id="rId13"/>
               </a:rPr>
-              <a:t>https://blog.csphere.cn/archives/22</a:t>
+              <a:t>http://www.docker.org.cn/book/install.html</a:t>
             </a:r>
             <a:endParaRPr lang="fr-FR" altLang="zh-CN" dirty="0"/>
           </a:p>
           <a:p>
             <a:r>
+              <a:rPr lang="zh-CN" altLang="fr-FR" dirty="0"/>
+              <a:t>一小时</a:t>
+            </a:r>
+            <a:r>
               <a:rPr lang="fr-FR" altLang="zh-CN" dirty="0"/>
-              <a:t>Docker </a:t>
+              <a:t>Docker</a:t>
             </a:r>
             <a:r>
               <a:rPr lang="zh-CN" altLang="fr-FR" dirty="0"/>
-              <a:t>从入门到实践：</a:t>
+              <a:t>教程 ：</a:t>
             </a:r>
             <a:r>
               <a:rPr lang="fr-FR" altLang="zh-CN" u="sng" dirty="0">
                 <a:hlinkClick r:id="rId14"/>
               </a:rPr>
-              <a:t>http://dockerpool.com/static/books/docker_practice/index.html</a:t>
+              <a:t>https://blog.csphere.cn/archives/22</a:t>
             </a:r>
             <a:endParaRPr lang="fr-FR" altLang="zh-CN" dirty="0"/>
           </a:p>
           <a:p>
             <a:r>
               <a:rPr lang="fr-FR" altLang="zh-CN" dirty="0"/>
-              <a:t>Docker</a:t>
+              <a:t>Docker </a:t>
             </a:r>
             <a:r>
               <a:rPr lang="zh-CN" altLang="fr-FR" dirty="0"/>
-              <a:t>中文指南：</a:t>
+              <a:t>从入门到实践：</a:t>
             </a:r>
             <a:r>
               <a:rPr lang="fr-FR" altLang="zh-CN" u="sng" dirty="0">
                 <a:hlinkClick r:id="rId15"/>
               </a:rPr>
-              <a:t>http://www.widuu.com/chinese_docker/index.html</a:t>
+              <a:t>http://dockerpool.com/static/books/docker_practice/index.html</a:t>
             </a:r>
             <a:endParaRPr lang="fr-FR" altLang="zh-CN" dirty="0"/>
           </a:p>
           <a:p>
             <a:r>
-              <a:rPr lang="zh-CN" altLang="fr-FR" b="1" dirty="0"/>
-              <a:t>其它资源</a:t>
-            </a:r>
-          </a:p>
-          <a:p>
+              <a:rPr lang="fr-FR" altLang="zh-CN" dirty="0"/>
+              <a:t>Docker</a:t>
+            </a:r>
+            <a:r>
+              <a:rPr lang="zh-CN" altLang="fr-FR" dirty="0"/>
+              <a:t>中文指南：</a:t>
+            </a:r>
             <a:r>
               <a:rPr lang="fr-FR" altLang="zh-CN" u="sng" dirty="0">
                 <a:hlinkClick r:id="rId16"/>
               </a:rPr>
-              <a:t>https://segmentfault.com/t/docker</a:t>
+              <a:t>http://www.widuu.com/chinese_docker/index.html</a:t>
             </a:r>
             <a:endParaRPr lang="fr-FR" altLang="zh-CN" dirty="0"/>
+          </a:p>
+          <a:p>
+            <a:r>
+              <a:rPr lang="zh-CN" altLang="fr-FR" b="1" dirty="0"/>
+              <a:t>其它资源</a:t>
+            </a:r>
           </a:p>
           <a:p>
             <a:r>
               <a:rPr lang="fr-FR" altLang="zh-CN" u="sng" dirty="0">
                 <a:hlinkClick r:id="rId17"/>
               </a:rPr>
-              <a:t>https://github.com/docker/docker</a:t>
+              <a:t>https://segmentfault.com/t/docker</a:t>
             </a:r>
             <a:endParaRPr lang="fr-FR" altLang="zh-CN" dirty="0"/>
           </a:p>
@@ -8184,7 +8212,7 @@
               <a:rPr lang="fr-FR" altLang="zh-CN" u="sng" dirty="0">
                 <a:hlinkClick r:id="rId18"/>
               </a:rPr>
-              <a:t>https://wiki.openstack.org/wiki/Docker</a:t>
+              <a:t>https://github.com/docker/docker</a:t>
             </a:r>
             <a:endParaRPr lang="fr-FR" altLang="zh-CN" dirty="0"/>
           </a:p>
@@ -8193,11 +8221,20 @@
               <a:rPr lang="fr-FR" altLang="zh-CN" u="sng" dirty="0">
                 <a:hlinkClick r:id="rId19"/>
               </a:rPr>
+              <a:t>https://wiki.openstack.org/wiki/Docker</a:t>
+            </a:r>
+            <a:endParaRPr lang="fr-FR" altLang="zh-CN" dirty="0"/>
+          </a:p>
+          <a:p>
+            <a:r>
+              <a:rPr lang="fr-FR" altLang="zh-CN" u="sng" dirty="0">
+                <a:hlinkClick r:id="rId20"/>
+              </a:rPr>
               <a:t>https://</a:t>
             </a:r>
             <a:r>
               <a:rPr lang="fr-FR" altLang="zh-CN" u="sng" dirty="0" smtClean="0">
-                <a:hlinkClick r:id="rId19"/>
+                <a:hlinkClick r:id="rId20"/>
               </a:rPr>
               <a:t>wiki.archlinux.org/index.php/Docker</a:t>
             </a:r>
